--- a/Figures .pptx
+++ b/Figures .pptx
@@ -6,12 +6,18 @@
   </p:sldMasterIdLst>
   <p:sldIdLst>
     <p:sldId id="256" r:id="rId2"/>
-    <p:sldId id="257" r:id="rId3"/>
-    <p:sldId id="258" r:id="rId4"/>
-    <p:sldId id="259" r:id="rId5"/>
-    <p:sldId id="260" r:id="rId6"/>
-    <p:sldId id="261" r:id="rId7"/>
-    <p:sldId id="262" r:id="rId8"/>
+    <p:sldId id="267" r:id="rId3"/>
+    <p:sldId id="268" r:id="rId4"/>
+    <p:sldId id="257" r:id="rId5"/>
+    <p:sldId id="258" r:id="rId6"/>
+    <p:sldId id="263" r:id="rId7"/>
+    <p:sldId id="264" r:id="rId8"/>
+    <p:sldId id="259" r:id="rId9"/>
+    <p:sldId id="260" r:id="rId10"/>
+    <p:sldId id="265" r:id="rId11"/>
+    <p:sldId id="266" r:id="rId12"/>
+    <p:sldId id="261" r:id="rId13"/>
+    <p:sldId id="262" r:id="rId14"/>
   </p:sldIdLst>
   <p:sldSz cx="12192000" cy="6858000"/>
   <p:notesSz cx="6858000" cy="9144000"/>
@@ -7565,7 +7571,531 @@
 </p:sld>
 </file>
 
+<file path=ppt/slides/slide10.xml><?xml version="1.0" encoding="utf-8"?>
+<p:sld xmlns:a="http://schemas.openxmlformats.org/drawingml/2006/main" xmlns:r="http://schemas.openxmlformats.org/officeDocument/2006/relationships" xmlns:p="http://schemas.openxmlformats.org/presentationml/2006/main">
+  <p:cSld>
+    <p:spTree>
+      <p:nvGrpSpPr>
+        <p:cNvPr id="1" name=""/>
+        <p:cNvGrpSpPr/>
+        <p:nvPr/>
+      </p:nvGrpSpPr>
+      <p:grpSpPr>
+        <a:xfrm>
+          <a:off x="0" y="0"/>
+          <a:ext cx="0" cy="0"/>
+          <a:chOff x="0" y="0"/>
+          <a:chExt cx="0" cy="0"/>
+        </a:xfrm>
+      </p:grpSpPr>
+      <p:sp>
+        <p:nvSpPr>
+          <p:cNvPr id="2" name="Title 1">
+            <a:extLst>
+              <a:ext uri="{FF2B5EF4-FFF2-40B4-BE49-F238E27FC236}">
+                <a16:creationId xmlns:a16="http://schemas.microsoft.com/office/drawing/2014/main" id="{1D8B1145-EC40-534C-A527-FC9FD5949D40}"/>
+              </a:ext>
+            </a:extLst>
+          </p:cNvPr>
+          <p:cNvSpPr>
+            <a:spLocks noGrp="1"/>
+          </p:cNvSpPr>
+          <p:nvPr>
+            <p:ph type="title"/>
+          </p:nvPr>
+        </p:nvSpPr>
+        <p:spPr/>
+        <p:txBody>
+          <a:bodyPr/>
+          <a:lstStyle/>
+          <a:p>
+            <a:r>
+              <a:rPr lang="en-US" dirty="0"/>
+              <a:t>GLI Expression 3T3 PDHK Inhibitor DCAA </a:t>
+            </a:r>
+          </a:p>
+        </p:txBody>
+      </p:sp>
+      <p:pic>
+        <p:nvPicPr>
+          <p:cNvPr id="5" name="Picture 4" descr="A screenshot of a cell phone&#10;&#10;Description automatically generated">
+            <a:extLst>
+              <a:ext uri="{FF2B5EF4-FFF2-40B4-BE49-F238E27FC236}">
+                <a16:creationId xmlns:a16="http://schemas.microsoft.com/office/drawing/2014/main" id="{CB3CDA40-0990-D348-B361-FCF986370957}"/>
+              </a:ext>
+            </a:extLst>
+          </p:cNvPr>
+          <p:cNvPicPr>
+            <a:picLocks noChangeAspect="1"/>
+          </p:cNvPicPr>
+          <p:nvPr/>
+        </p:nvPicPr>
+        <p:blipFill>
+          <a:blip r:embed="rId2"/>
+          <a:stretch>
+            <a:fillRect/>
+          </a:stretch>
+        </p:blipFill>
+        <p:spPr>
+          <a:xfrm>
+            <a:off x="3144455" y="1674936"/>
+            <a:ext cx="5892441" cy="4969201"/>
+          </a:xfrm>
+          <a:prstGeom prst="rect">
+            <a:avLst/>
+          </a:prstGeom>
+        </p:spPr>
+      </p:pic>
+    </p:spTree>
+    <p:extLst>
+      <p:ext uri="{BB962C8B-B14F-4D97-AF65-F5344CB8AC3E}">
+        <p14:creationId xmlns:p14="http://schemas.microsoft.com/office/powerpoint/2010/main" val="2415220873"/>
+      </p:ext>
+    </p:extLst>
+  </p:cSld>
+  <p:clrMapOvr>
+    <a:masterClrMapping/>
+  </p:clrMapOvr>
+</p:sld>
+</file>
+
+<file path=ppt/slides/slide11.xml><?xml version="1.0" encoding="utf-8"?>
+<p:sld xmlns:a="http://schemas.openxmlformats.org/drawingml/2006/main" xmlns:r="http://schemas.openxmlformats.org/officeDocument/2006/relationships" xmlns:p="http://schemas.openxmlformats.org/presentationml/2006/main">
+  <p:cSld>
+    <p:spTree>
+      <p:nvGrpSpPr>
+        <p:cNvPr id="1" name=""/>
+        <p:cNvGrpSpPr/>
+        <p:nvPr/>
+      </p:nvGrpSpPr>
+      <p:grpSpPr>
+        <a:xfrm>
+          <a:off x="0" y="0"/>
+          <a:ext cx="0" cy="0"/>
+          <a:chOff x="0" y="0"/>
+          <a:chExt cx="0" cy="0"/>
+        </a:xfrm>
+      </p:grpSpPr>
+      <p:sp>
+        <p:nvSpPr>
+          <p:cNvPr id="2" name="Title 1">
+            <a:extLst>
+              <a:ext uri="{FF2B5EF4-FFF2-40B4-BE49-F238E27FC236}">
+                <a16:creationId xmlns:a16="http://schemas.microsoft.com/office/drawing/2014/main" id="{74EDABE3-3FB1-1346-AEA7-22C25FA742BE}"/>
+              </a:ext>
+            </a:extLst>
+          </p:cNvPr>
+          <p:cNvSpPr>
+            <a:spLocks noGrp="1"/>
+          </p:cNvSpPr>
+          <p:nvPr>
+            <p:ph type="title"/>
+          </p:nvPr>
+        </p:nvSpPr>
+        <p:spPr/>
+        <p:txBody>
+          <a:bodyPr>
+            <a:normAutofit fontScale="90000"/>
+          </a:bodyPr>
+          <a:lstStyle/>
+          <a:p>
+            <a:r>
+              <a:rPr lang="en-US" dirty="0"/>
+              <a:t>GLI Expression BCC PDHK Inhibitor DCAA </a:t>
+            </a:r>
+          </a:p>
+        </p:txBody>
+      </p:sp>
+      <p:pic>
+        <p:nvPicPr>
+          <p:cNvPr id="5" name="Picture 4" descr="A screenshot of a cell phone&#10;&#10;Description automatically generated">
+            <a:extLst>
+              <a:ext uri="{FF2B5EF4-FFF2-40B4-BE49-F238E27FC236}">
+                <a16:creationId xmlns:a16="http://schemas.microsoft.com/office/drawing/2014/main" id="{25EC163E-9129-7349-8BA9-C088EAD0136E}"/>
+              </a:ext>
+            </a:extLst>
+          </p:cNvPr>
+          <p:cNvPicPr>
+            <a:picLocks noChangeAspect="1"/>
+          </p:cNvPicPr>
+          <p:nvPr/>
+        </p:nvPicPr>
+        <p:blipFill>
+          <a:blip r:embed="rId2"/>
+          <a:stretch>
+            <a:fillRect/>
+          </a:stretch>
+        </p:blipFill>
+        <p:spPr>
+          <a:xfrm>
+            <a:off x="3389581" y="1680352"/>
+            <a:ext cx="5892441" cy="4969201"/>
+          </a:xfrm>
+          <a:prstGeom prst="rect">
+            <a:avLst/>
+          </a:prstGeom>
+        </p:spPr>
+      </p:pic>
+    </p:spTree>
+    <p:extLst>
+      <p:ext uri="{BB962C8B-B14F-4D97-AF65-F5344CB8AC3E}">
+        <p14:creationId xmlns:p14="http://schemas.microsoft.com/office/powerpoint/2010/main" val="407683498"/>
+      </p:ext>
+    </p:extLst>
+  </p:cSld>
+  <p:clrMapOvr>
+    <a:masterClrMapping/>
+  </p:clrMapOvr>
+</p:sld>
+</file>
+
+<file path=ppt/slides/slide12.xml><?xml version="1.0" encoding="utf-8"?>
+<p:sld xmlns:a="http://schemas.openxmlformats.org/drawingml/2006/main" xmlns:r="http://schemas.openxmlformats.org/officeDocument/2006/relationships" xmlns:p="http://schemas.openxmlformats.org/presentationml/2006/main">
+  <p:cSld>
+    <p:spTree>
+      <p:nvGrpSpPr>
+        <p:cNvPr id="1" name=""/>
+        <p:cNvGrpSpPr/>
+        <p:nvPr/>
+      </p:nvGrpSpPr>
+      <p:grpSpPr>
+        <a:xfrm>
+          <a:off x="0" y="0"/>
+          <a:ext cx="0" cy="0"/>
+          <a:chOff x="0" y="0"/>
+          <a:chExt cx="0" cy="0"/>
+        </a:xfrm>
+      </p:grpSpPr>
+      <p:sp>
+        <p:nvSpPr>
+          <p:cNvPr id="2" name="Title 1">
+            <a:extLst>
+              <a:ext uri="{FF2B5EF4-FFF2-40B4-BE49-F238E27FC236}">
+                <a16:creationId xmlns:a16="http://schemas.microsoft.com/office/drawing/2014/main" id="{15A9F60E-771C-FA41-BF98-286BD7786FDE}"/>
+              </a:ext>
+            </a:extLst>
+          </p:cNvPr>
+          <p:cNvSpPr>
+            <a:spLocks noGrp="1"/>
+          </p:cNvSpPr>
+          <p:nvPr>
+            <p:ph type="title"/>
+          </p:nvPr>
+        </p:nvSpPr>
+        <p:spPr/>
+        <p:txBody>
+          <a:bodyPr/>
+          <a:lstStyle/>
+          <a:p>
+            <a:r>
+              <a:rPr lang="en-US" dirty="0"/>
+              <a:t>MTT Assay DCAA (Absorbance)</a:t>
+            </a:r>
+          </a:p>
+        </p:txBody>
+      </p:sp>
+      <p:pic>
+        <p:nvPicPr>
+          <p:cNvPr id="6" name="Picture 5">
+            <a:extLst>
+              <a:ext uri="{FF2B5EF4-FFF2-40B4-BE49-F238E27FC236}">
+                <a16:creationId xmlns:a16="http://schemas.microsoft.com/office/drawing/2014/main" id="{2F68FB62-34DF-AF4D-AB50-7833B5C19371}"/>
+              </a:ext>
+            </a:extLst>
+          </p:cNvPr>
+          <p:cNvPicPr>
+            <a:picLocks noChangeAspect="1"/>
+          </p:cNvPicPr>
+          <p:nvPr/>
+        </p:nvPicPr>
+        <p:blipFill>
+          <a:blip r:embed="rId2"/>
+          <a:stretch>
+            <a:fillRect/>
+          </a:stretch>
+        </p:blipFill>
+        <p:spPr>
+          <a:xfrm>
+            <a:off x="2102460" y="1717437"/>
+            <a:ext cx="7976432" cy="4794697"/>
+          </a:xfrm>
+          <a:prstGeom prst="rect">
+            <a:avLst/>
+          </a:prstGeom>
+        </p:spPr>
+      </p:pic>
+    </p:spTree>
+    <p:extLst>
+      <p:ext uri="{BB962C8B-B14F-4D97-AF65-F5344CB8AC3E}">
+        <p14:creationId xmlns:p14="http://schemas.microsoft.com/office/powerpoint/2010/main" val="2979672111"/>
+      </p:ext>
+    </p:extLst>
+  </p:cSld>
+  <p:clrMapOvr>
+    <a:masterClrMapping/>
+  </p:clrMapOvr>
+</p:sld>
+</file>
+
+<file path=ppt/slides/slide13.xml><?xml version="1.0" encoding="utf-8"?>
+<p:sld xmlns:a="http://schemas.openxmlformats.org/drawingml/2006/main" xmlns:r="http://schemas.openxmlformats.org/officeDocument/2006/relationships" xmlns:p="http://schemas.openxmlformats.org/presentationml/2006/main">
+  <p:cSld>
+    <p:spTree>
+      <p:nvGrpSpPr>
+        <p:cNvPr id="1" name=""/>
+        <p:cNvGrpSpPr/>
+        <p:nvPr/>
+      </p:nvGrpSpPr>
+      <p:grpSpPr>
+        <a:xfrm>
+          <a:off x="0" y="0"/>
+          <a:ext cx="0" cy="0"/>
+          <a:chOff x="0" y="0"/>
+          <a:chExt cx="0" cy="0"/>
+        </a:xfrm>
+      </p:grpSpPr>
+      <p:sp>
+        <p:nvSpPr>
+          <p:cNvPr id="2" name="Title 1">
+            <a:extLst>
+              <a:ext uri="{FF2B5EF4-FFF2-40B4-BE49-F238E27FC236}">
+                <a16:creationId xmlns:a16="http://schemas.microsoft.com/office/drawing/2014/main" id="{CBE52F83-A1A7-F541-955A-8FBCB1E54D43}"/>
+              </a:ext>
+            </a:extLst>
+          </p:cNvPr>
+          <p:cNvSpPr>
+            <a:spLocks noGrp="1"/>
+          </p:cNvSpPr>
+          <p:nvPr>
+            <p:ph type="title"/>
+          </p:nvPr>
+        </p:nvSpPr>
+        <p:spPr/>
+        <p:txBody>
+          <a:bodyPr/>
+          <a:lstStyle/>
+          <a:p>
+            <a:r>
+              <a:rPr lang="en-US" dirty="0"/>
+              <a:t>MTT Assay DCAA (Percent Viability) </a:t>
+            </a:r>
+          </a:p>
+        </p:txBody>
+      </p:sp>
+      <p:pic>
+        <p:nvPicPr>
+          <p:cNvPr id="4" name="Picture 3">
+            <a:extLst>
+              <a:ext uri="{FF2B5EF4-FFF2-40B4-BE49-F238E27FC236}">
+                <a16:creationId xmlns:a16="http://schemas.microsoft.com/office/drawing/2014/main" id="{2D8B4281-A843-A144-A1F8-F43456554B76}"/>
+              </a:ext>
+            </a:extLst>
+          </p:cNvPr>
+          <p:cNvPicPr>
+            <a:picLocks noChangeAspect="1"/>
+          </p:cNvPicPr>
+          <p:nvPr/>
+        </p:nvPicPr>
+        <p:blipFill>
+          <a:blip r:embed="rId2"/>
+          <a:stretch>
+            <a:fillRect/>
+          </a:stretch>
+        </p:blipFill>
+        <p:spPr>
+          <a:xfrm>
+            <a:off x="2295764" y="1866900"/>
+            <a:ext cx="7600471" cy="4568704"/>
+          </a:xfrm>
+          <a:prstGeom prst="rect">
+            <a:avLst/>
+          </a:prstGeom>
+        </p:spPr>
+      </p:pic>
+    </p:spTree>
+    <p:extLst>
+      <p:ext uri="{BB962C8B-B14F-4D97-AF65-F5344CB8AC3E}">
+        <p14:creationId xmlns:p14="http://schemas.microsoft.com/office/powerpoint/2010/main" val="2358237419"/>
+      </p:ext>
+    </p:extLst>
+  </p:cSld>
+  <p:clrMapOvr>
+    <a:masterClrMapping/>
+  </p:clrMapOvr>
+</p:sld>
+</file>
+
 <file path=ppt/slides/slide2.xml><?xml version="1.0" encoding="utf-8"?>
+<p:sld xmlns:a="http://schemas.openxmlformats.org/drawingml/2006/main" xmlns:r="http://schemas.openxmlformats.org/officeDocument/2006/relationships" xmlns:p="http://schemas.openxmlformats.org/presentationml/2006/main">
+  <p:cSld>
+    <p:spTree>
+      <p:nvGrpSpPr>
+        <p:cNvPr id="1" name=""/>
+        <p:cNvGrpSpPr/>
+        <p:nvPr/>
+      </p:nvGrpSpPr>
+      <p:grpSpPr>
+        <a:xfrm>
+          <a:off x="0" y="0"/>
+          <a:ext cx="0" cy="0"/>
+          <a:chOff x="0" y="0"/>
+          <a:chExt cx="0" cy="0"/>
+        </a:xfrm>
+      </p:grpSpPr>
+      <p:sp>
+        <p:nvSpPr>
+          <p:cNvPr id="2" name="Title 1">
+            <a:extLst>
+              <a:ext uri="{FF2B5EF4-FFF2-40B4-BE49-F238E27FC236}">
+                <a16:creationId xmlns:a16="http://schemas.microsoft.com/office/drawing/2014/main" id="{F7C589BB-AB58-844A-AD65-18E97403247E}"/>
+              </a:ext>
+            </a:extLst>
+          </p:cNvPr>
+          <p:cNvSpPr>
+            <a:spLocks noGrp="1"/>
+          </p:cNvSpPr>
+          <p:nvPr>
+            <p:ph type="title"/>
+          </p:nvPr>
+        </p:nvSpPr>
+        <p:spPr/>
+        <p:txBody>
+          <a:bodyPr/>
+          <a:lstStyle/>
+          <a:p>
+            <a:r>
+              <a:rPr lang="en-US" dirty="0" err="1"/>
+              <a:t>Gli</a:t>
+            </a:r>
+            <a:r>
+              <a:rPr lang="en-US" dirty="0"/>
+              <a:t> Expression 3T3 NEK1 Inhibitor</a:t>
+            </a:r>
+          </a:p>
+        </p:txBody>
+      </p:sp>
+      <p:sp>
+        <p:nvSpPr>
+          <p:cNvPr id="3" name="Content Placeholder 2">
+            <a:extLst>
+              <a:ext uri="{FF2B5EF4-FFF2-40B4-BE49-F238E27FC236}">
+                <a16:creationId xmlns:a16="http://schemas.microsoft.com/office/drawing/2014/main" id="{6D3C0FB6-1280-0049-8F72-14C75080184F}"/>
+              </a:ext>
+            </a:extLst>
+          </p:cNvPr>
+          <p:cNvSpPr>
+            <a:spLocks noGrp="1"/>
+          </p:cNvSpPr>
+          <p:nvPr>
+            <p:ph idx="1"/>
+          </p:nvPr>
+        </p:nvSpPr>
+        <p:spPr/>
+        <p:txBody>
+          <a:bodyPr/>
+          <a:lstStyle/>
+          <a:p>
+            <a:endParaRPr lang="en-US"/>
+          </a:p>
+        </p:txBody>
+      </p:sp>
+    </p:spTree>
+    <p:extLst>
+      <p:ext uri="{BB962C8B-B14F-4D97-AF65-F5344CB8AC3E}">
+        <p14:creationId xmlns:p14="http://schemas.microsoft.com/office/powerpoint/2010/main" val="1820520254"/>
+      </p:ext>
+    </p:extLst>
+  </p:cSld>
+  <p:clrMapOvr>
+    <a:masterClrMapping/>
+  </p:clrMapOvr>
+</p:sld>
+</file>
+
+<file path=ppt/slides/slide3.xml><?xml version="1.0" encoding="utf-8"?>
+<p:sld xmlns:a="http://schemas.openxmlformats.org/drawingml/2006/main" xmlns:r="http://schemas.openxmlformats.org/officeDocument/2006/relationships" xmlns:p="http://schemas.openxmlformats.org/presentationml/2006/main">
+  <p:cSld>
+    <p:spTree>
+      <p:nvGrpSpPr>
+        <p:cNvPr id="1" name=""/>
+        <p:cNvGrpSpPr/>
+        <p:nvPr/>
+      </p:nvGrpSpPr>
+      <p:grpSpPr>
+        <a:xfrm>
+          <a:off x="0" y="0"/>
+          <a:ext cx="0" cy="0"/>
+          <a:chOff x="0" y="0"/>
+          <a:chExt cx="0" cy="0"/>
+        </a:xfrm>
+      </p:grpSpPr>
+      <p:sp>
+        <p:nvSpPr>
+          <p:cNvPr id="2" name="Title 1">
+            <a:extLst>
+              <a:ext uri="{FF2B5EF4-FFF2-40B4-BE49-F238E27FC236}">
+                <a16:creationId xmlns:a16="http://schemas.microsoft.com/office/drawing/2014/main" id="{8EABE4DA-1392-624D-9498-8E61C6D4C601}"/>
+              </a:ext>
+            </a:extLst>
+          </p:cNvPr>
+          <p:cNvSpPr>
+            <a:spLocks noGrp="1"/>
+          </p:cNvSpPr>
+          <p:nvPr>
+            <p:ph type="title"/>
+          </p:nvPr>
+        </p:nvSpPr>
+        <p:spPr/>
+        <p:txBody>
+          <a:bodyPr/>
+          <a:lstStyle/>
+          <a:p>
+            <a:r>
+              <a:rPr lang="en-US" dirty="0"/>
+              <a:t>GLI Expression BCC NEK1 Inhibitor</a:t>
+            </a:r>
+          </a:p>
+        </p:txBody>
+      </p:sp>
+      <p:sp>
+        <p:nvSpPr>
+          <p:cNvPr id="3" name="Content Placeholder 2">
+            <a:extLst>
+              <a:ext uri="{FF2B5EF4-FFF2-40B4-BE49-F238E27FC236}">
+                <a16:creationId xmlns:a16="http://schemas.microsoft.com/office/drawing/2014/main" id="{41778043-4BA1-B645-BDC0-87688322453D}"/>
+              </a:ext>
+            </a:extLst>
+          </p:cNvPr>
+          <p:cNvSpPr>
+            <a:spLocks noGrp="1"/>
+          </p:cNvSpPr>
+          <p:nvPr>
+            <p:ph idx="1"/>
+          </p:nvPr>
+        </p:nvSpPr>
+        <p:spPr/>
+        <p:txBody>
+          <a:bodyPr/>
+          <a:lstStyle/>
+          <a:p>
+            <a:endParaRPr lang="en-US"/>
+          </a:p>
+        </p:txBody>
+      </p:sp>
+    </p:spTree>
+    <p:extLst>
+      <p:ext uri="{BB962C8B-B14F-4D97-AF65-F5344CB8AC3E}">
+        <p14:creationId xmlns:p14="http://schemas.microsoft.com/office/powerpoint/2010/main" val="2509409071"/>
+      </p:ext>
+    </p:extLst>
+  </p:cSld>
+  <p:clrMapOvr>
+    <a:masterClrMapping/>
+  </p:clrMapOvr>
+</p:sld>
+</file>
+
+<file path=ppt/slides/slide4.xml><?xml version="1.0" encoding="utf-8"?>
 <p:sld xmlns:a="http://schemas.openxmlformats.org/drawingml/2006/main" xmlns:r="http://schemas.openxmlformats.org/officeDocument/2006/relationships" xmlns:p="http://schemas.openxmlformats.org/presentationml/2006/main">
   <p:cSld>
     <p:spTree>
@@ -7653,7 +8183,7 @@
 </p:sld>
 </file>
 
-<file path=ppt/slides/slide3.xml><?xml version="1.0" encoding="utf-8"?>
+<file path=ppt/slides/slide5.xml><?xml version="1.0" encoding="utf-8"?>
 <p:sld xmlns:a="http://schemas.openxmlformats.org/drawingml/2006/main" xmlns:r="http://schemas.openxmlformats.org/officeDocument/2006/relationships" xmlns:p="http://schemas.openxmlformats.org/presentationml/2006/main">
   <p:cSld>
     <p:spTree>
@@ -7741,7 +8271,183 @@
 </p:sld>
 </file>
 
-<file path=ppt/slides/slide4.xml><?xml version="1.0" encoding="utf-8"?>
+<file path=ppt/slides/slide6.xml><?xml version="1.0" encoding="utf-8"?>
+<p:sld xmlns:a="http://schemas.openxmlformats.org/drawingml/2006/main" xmlns:r="http://schemas.openxmlformats.org/officeDocument/2006/relationships" xmlns:p="http://schemas.openxmlformats.org/presentationml/2006/main">
+  <p:cSld>
+    <p:spTree>
+      <p:nvGrpSpPr>
+        <p:cNvPr id="1" name=""/>
+        <p:cNvGrpSpPr/>
+        <p:nvPr/>
+      </p:nvGrpSpPr>
+      <p:grpSpPr>
+        <a:xfrm>
+          <a:off x="0" y="0"/>
+          <a:ext cx="0" cy="0"/>
+          <a:chOff x="0" y="0"/>
+          <a:chExt cx="0" cy="0"/>
+        </a:xfrm>
+      </p:grpSpPr>
+      <p:sp>
+        <p:nvSpPr>
+          <p:cNvPr id="2" name="Title 1">
+            <a:extLst>
+              <a:ext uri="{FF2B5EF4-FFF2-40B4-BE49-F238E27FC236}">
+                <a16:creationId xmlns:a16="http://schemas.microsoft.com/office/drawing/2014/main" id="{0AF104E2-1F7A-5A4C-97EE-43ED653FCA04}"/>
+              </a:ext>
+            </a:extLst>
+          </p:cNvPr>
+          <p:cNvSpPr>
+            <a:spLocks noGrp="1"/>
+          </p:cNvSpPr>
+          <p:nvPr>
+            <p:ph type="title"/>
+          </p:nvPr>
+        </p:nvSpPr>
+        <p:spPr/>
+        <p:txBody>
+          <a:bodyPr/>
+          <a:lstStyle/>
+          <a:p>
+            <a:r>
+              <a:rPr lang="en-US" dirty="0"/>
+              <a:t>GLI Expression 3T3 MEK Inhibitor Cobi</a:t>
+            </a:r>
+          </a:p>
+        </p:txBody>
+      </p:sp>
+      <p:pic>
+        <p:nvPicPr>
+          <p:cNvPr id="5" name="Picture 4" descr="A screenshot of a cell phone&#10;&#10;Description automatically generated">
+            <a:extLst>
+              <a:ext uri="{FF2B5EF4-FFF2-40B4-BE49-F238E27FC236}">
+                <a16:creationId xmlns:a16="http://schemas.microsoft.com/office/drawing/2014/main" id="{9430967B-B53A-1948-B884-4EC485EA9506}"/>
+              </a:ext>
+            </a:extLst>
+          </p:cNvPr>
+          <p:cNvPicPr>
+            <a:picLocks noChangeAspect="1"/>
+          </p:cNvPicPr>
+          <p:nvPr/>
+        </p:nvPicPr>
+        <p:blipFill>
+          <a:blip r:embed="rId2"/>
+          <a:stretch>
+            <a:fillRect/>
+          </a:stretch>
+        </p:blipFill>
+        <p:spPr>
+          <a:xfrm>
+            <a:off x="2786211" y="1714859"/>
+            <a:ext cx="6619577" cy="4845531"/>
+          </a:xfrm>
+          <a:prstGeom prst="rect">
+            <a:avLst/>
+          </a:prstGeom>
+        </p:spPr>
+      </p:pic>
+    </p:spTree>
+    <p:extLst>
+      <p:ext uri="{BB962C8B-B14F-4D97-AF65-F5344CB8AC3E}">
+        <p14:creationId xmlns:p14="http://schemas.microsoft.com/office/powerpoint/2010/main" val="2965028676"/>
+      </p:ext>
+    </p:extLst>
+  </p:cSld>
+  <p:clrMapOvr>
+    <a:masterClrMapping/>
+  </p:clrMapOvr>
+</p:sld>
+</file>
+
+<file path=ppt/slides/slide7.xml><?xml version="1.0" encoding="utf-8"?>
+<p:sld xmlns:a="http://schemas.openxmlformats.org/drawingml/2006/main" xmlns:r="http://schemas.openxmlformats.org/officeDocument/2006/relationships" xmlns:p="http://schemas.openxmlformats.org/presentationml/2006/main">
+  <p:cSld>
+    <p:spTree>
+      <p:nvGrpSpPr>
+        <p:cNvPr id="1" name=""/>
+        <p:cNvGrpSpPr/>
+        <p:nvPr/>
+      </p:nvGrpSpPr>
+      <p:grpSpPr>
+        <a:xfrm>
+          <a:off x="0" y="0"/>
+          <a:ext cx="0" cy="0"/>
+          <a:chOff x="0" y="0"/>
+          <a:chExt cx="0" cy="0"/>
+        </a:xfrm>
+      </p:grpSpPr>
+      <p:sp>
+        <p:nvSpPr>
+          <p:cNvPr id="2" name="Title 1">
+            <a:extLst>
+              <a:ext uri="{FF2B5EF4-FFF2-40B4-BE49-F238E27FC236}">
+                <a16:creationId xmlns:a16="http://schemas.microsoft.com/office/drawing/2014/main" id="{0D283975-4409-BB47-AE05-E54204A99008}"/>
+              </a:ext>
+            </a:extLst>
+          </p:cNvPr>
+          <p:cNvSpPr>
+            <a:spLocks noGrp="1"/>
+          </p:cNvSpPr>
+          <p:nvPr>
+            <p:ph type="title"/>
+          </p:nvPr>
+        </p:nvSpPr>
+        <p:spPr/>
+        <p:txBody>
+          <a:bodyPr/>
+          <a:lstStyle/>
+          <a:p>
+            <a:r>
+              <a:rPr lang="en-US" dirty="0"/>
+              <a:t>GLI Expression BCC MEK Inhibitor Cobi</a:t>
+            </a:r>
+          </a:p>
+        </p:txBody>
+      </p:sp>
+      <p:pic>
+        <p:nvPicPr>
+          <p:cNvPr id="5" name="Picture 4" descr="A screenshot of a cell phone&#10;&#10;Description automatically generated">
+            <a:extLst>
+              <a:ext uri="{FF2B5EF4-FFF2-40B4-BE49-F238E27FC236}">
+                <a16:creationId xmlns:a16="http://schemas.microsoft.com/office/drawing/2014/main" id="{006EFD22-AD60-9241-9DA5-665191C78265}"/>
+              </a:ext>
+            </a:extLst>
+          </p:cNvPr>
+          <p:cNvPicPr>
+            <a:picLocks noChangeAspect="1"/>
+          </p:cNvPicPr>
+          <p:nvPr/>
+        </p:nvPicPr>
+        <p:blipFill>
+          <a:blip r:embed="rId2"/>
+          <a:stretch>
+            <a:fillRect/>
+          </a:stretch>
+        </p:blipFill>
+        <p:spPr>
+          <a:xfrm>
+            <a:off x="2972007" y="1914345"/>
+            <a:ext cx="6237338" cy="4565731"/>
+          </a:xfrm>
+          <a:prstGeom prst="rect">
+            <a:avLst/>
+          </a:prstGeom>
+        </p:spPr>
+      </p:pic>
+    </p:spTree>
+    <p:extLst>
+      <p:ext uri="{BB962C8B-B14F-4D97-AF65-F5344CB8AC3E}">
+        <p14:creationId xmlns:p14="http://schemas.microsoft.com/office/powerpoint/2010/main" val="1022717156"/>
+      </p:ext>
+    </p:extLst>
+  </p:cSld>
+  <p:clrMapOvr>
+    <a:masterClrMapping/>
+  </p:clrMapOvr>
+</p:sld>
+</file>
+
+<file path=ppt/slides/slide8.xml><?xml version="1.0" encoding="utf-8"?>
 <p:sld xmlns:a="http://schemas.openxmlformats.org/drawingml/2006/main" xmlns:r="http://schemas.openxmlformats.org/officeDocument/2006/relationships" xmlns:p="http://schemas.openxmlformats.org/presentationml/2006/main">
   <p:cSld>
     <p:spTree>
@@ -7861,7 +8567,7 @@
 </p:sld>
 </file>
 
-<file path=ppt/slides/slide5.xml><?xml version="1.0" encoding="utf-8"?>
+<file path=ppt/slides/slide9.xml><?xml version="1.0" encoding="utf-8"?>
 <p:sld xmlns:a="http://schemas.openxmlformats.org/drawingml/2006/main" xmlns:r="http://schemas.openxmlformats.org/officeDocument/2006/relationships" xmlns:p="http://schemas.openxmlformats.org/presentationml/2006/main">
   <p:cSld>
     <p:spTree>
@@ -7948,182 +8654,6 @@
     <p:extLst>
       <p:ext uri="{BB962C8B-B14F-4D97-AF65-F5344CB8AC3E}">
         <p14:creationId xmlns:p14="http://schemas.microsoft.com/office/powerpoint/2010/main" val="3890438095"/>
-      </p:ext>
-    </p:extLst>
-  </p:cSld>
-  <p:clrMapOvr>
-    <a:masterClrMapping/>
-  </p:clrMapOvr>
-</p:sld>
-</file>
-
-<file path=ppt/slides/slide6.xml><?xml version="1.0" encoding="utf-8"?>
-<p:sld xmlns:a="http://schemas.openxmlformats.org/drawingml/2006/main" xmlns:r="http://schemas.openxmlformats.org/officeDocument/2006/relationships" xmlns:p="http://schemas.openxmlformats.org/presentationml/2006/main">
-  <p:cSld>
-    <p:spTree>
-      <p:nvGrpSpPr>
-        <p:cNvPr id="1" name=""/>
-        <p:cNvGrpSpPr/>
-        <p:nvPr/>
-      </p:nvGrpSpPr>
-      <p:grpSpPr>
-        <a:xfrm>
-          <a:off x="0" y="0"/>
-          <a:ext cx="0" cy="0"/>
-          <a:chOff x="0" y="0"/>
-          <a:chExt cx="0" cy="0"/>
-        </a:xfrm>
-      </p:grpSpPr>
-      <p:sp>
-        <p:nvSpPr>
-          <p:cNvPr id="2" name="Title 1">
-            <a:extLst>
-              <a:ext uri="{FF2B5EF4-FFF2-40B4-BE49-F238E27FC236}">
-                <a16:creationId xmlns:a16="http://schemas.microsoft.com/office/drawing/2014/main" id="{15A9F60E-771C-FA41-BF98-286BD7786FDE}"/>
-              </a:ext>
-            </a:extLst>
-          </p:cNvPr>
-          <p:cNvSpPr>
-            <a:spLocks noGrp="1"/>
-          </p:cNvSpPr>
-          <p:nvPr>
-            <p:ph type="title"/>
-          </p:nvPr>
-        </p:nvSpPr>
-        <p:spPr/>
-        <p:txBody>
-          <a:bodyPr/>
-          <a:lstStyle/>
-          <a:p>
-            <a:r>
-              <a:rPr lang="en-US" dirty="0"/>
-              <a:t>MTT Assay DCAA (Absorbance)</a:t>
-            </a:r>
-          </a:p>
-        </p:txBody>
-      </p:sp>
-      <p:pic>
-        <p:nvPicPr>
-          <p:cNvPr id="6" name="Picture 5">
-            <a:extLst>
-              <a:ext uri="{FF2B5EF4-FFF2-40B4-BE49-F238E27FC236}">
-                <a16:creationId xmlns:a16="http://schemas.microsoft.com/office/drawing/2014/main" id="{2F68FB62-34DF-AF4D-AB50-7833B5C19371}"/>
-              </a:ext>
-            </a:extLst>
-          </p:cNvPr>
-          <p:cNvPicPr>
-            <a:picLocks noChangeAspect="1"/>
-          </p:cNvPicPr>
-          <p:nvPr/>
-        </p:nvPicPr>
-        <p:blipFill>
-          <a:blip r:embed="rId2"/>
-          <a:stretch>
-            <a:fillRect/>
-          </a:stretch>
-        </p:blipFill>
-        <p:spPr>
-          <a:xfrm>
-            <a:off x="2102460" y="1717437"/>
-            <a:ext cx="7976432" cy="4794697"/>
-          </a:xfrm>
-          <a:prstGeom prst="rect">
-            <a:avLst/>
-          </a:prstGeom>
-        </p:spPr>
-      </p:pic>
-    </p:spTree>
-    <p:extLst>
-      <p:ext uri="{BB962C8B-B14F-4D97-AF65-F5344CB8AC3E}">
-        <p14:creationId xmlns:p14="http://schemas.microsoft.com/office/powerpoint/2010/main" val="2979672111"/>
-      </p:ext>
-    </p:extLst>
-  </p:cSld>
-  <p:clrMapOvr>
-    <a:masterClrMapping/>
-  </p:clrMapOvr>
-</p:sld>
-</file>
-
-<file path=ppt/slides/slide7.xml><?xml version="1.0" encoding="utf-8"?>
-<p:sld xmlns:a="http://schemas.openxmlformats.org/drawingml/2006/main" xmlns:r="http://schemas.openxmlformats.org/officeDocument/2006/relationships" xmlns:p="http://schemas.openxmlformats.org/presentationml/2006/main">
-  <p:cSld>
-    <p:spTree>
-      <p:nvGrpSpPr>
-        <p:cNvPr id="1" name=""/>
-        <p:cNvGrpSpPr/>
-        <p:nvPr/>
-      </p:nvGrpSpPr>
-      <p:grpSpPr>
-        <a:xfrm>
-          <a:off x="0" y="0"/>
-          <a:ext cx="0" cy="0"/>
-          <a:chOff x="0" y="0"/>
-          <a:chExt cx="0" cy="0"/>
-        </a:xfrm>
-      </p:grpSpPr>
-      <p:sp>
-        <p:nvSpPr>
-          <p:cNvPr id="2" name="Title 1">
-            <a:extLst>
-              <a:ext uri="{FF2B5EF4-FFF2-40B4-BE49-F238E27FC236}">
-                <a16:creationId xmlns:a16="http://schemas.microsoft.com/office/drawing/2014/main" id="{CBE52F83-A1A7-F541-955A-8FBCB1E54D43}"/>
-              </a:ext>
-            </a:extLst>
-          </p:cNvPr>
-          <p:cNvSpPr>
-            <a:spLocks noGrp="1"/>
-          </p:cNvSpPr>
-          <p:nvPr>
-            <p:ph type="title"/>
-          </p:nvPr>
-        </p:nvSpPr>
-        <p:spPr/>
-        <p:txBody>
-          <a:bodyPr/>
-          <a:lstStyle/>
-          <a:p>
-            <a:r>
-              <a:rPr lang="en-US" dirty="0"/>
-              <a:t>MTT Assay DCAA (Percent Viability) </a:t>
-            </a:r>
-          </a:p>
-        </p:txBody>
-      </p:sp>
-      <p:pic>
-        <p:nvPicPr>
-          <p:cNvPr id="4" name="Picture 3">
-            <a:extLst>
-              <a:ext uri="{FF2B5EF4-FFF2-40B4-BE49-F238E27FC236}">
-                <a16:creationId xmlns:a16="http://schemas.microsoft.com/office/drawing/2014/main" id="{2D8B4281-A843-A144-A1F8-F43456554B76}"/>
-              </a:ext>
-            </a:extLst>
-          </p:cNvPr>
-          <p:cNvPicPr>
-            <a:picLocks noChangeAspect="1"/>
-          </p:cNvPicPr>
-          <p:nvPr/>
-        </p:nvPicPr>
-        <p:blipFill>
-          <a:blip r:embed="rId2"/>
-          <a:stretch>
-            <a:fillRect/>
-          </a:stretch>
-        </p:blipFill>
-        <p:spPr>
-          <a:xfrm>
-            <a:off x="2295764" y="1866900"/>
-            <a:ext cx="7600471" cy="4568704"/>
-          </a:xfrm>
-          <a:prstGeom prst="rect">
-            <a:avLst/>
-          </a:prstGeom>
-        </p:spPr>
-      </p:pic>
-    </p:spTree>
-    <p:extLst>
-      <p:ext uri="{BB962C8B-B14F-4D97-AF65-F5344CB8AC3E}">
-        <p14:creationId xmlns:p14="http://schemas.microsoft.com/office/powerpoint/2010/main" val="2358237419"/>
       </p:ext>
     </p:extLst>
   </p:cSld>

--- a/Figures .pptx
+++ b/Figures .pptx
@@ -7974,28 +7974,68 @@
           </a:p>
         </p:txBody>
       </p:sp>
-      <p:sp>
-        <p:nvSpPr>
-          <p:cNvPr id="3" name="Content Placeholder 2">
+      <p:pic>
+        <p:nvPicPr>
+          <p:cNvPr id="5" name="Picture 4" descr="A screenshot of a cell phone&#10;&#10;Description automatically generated">
             <a:extLst>
               <a:ext uri="{FF2B5EF4-FFF2-40B4-BE49-F238E27FC236}">
-                <a16:creationId xmlns:a16="http://schemas.microsoft.com/office/drawing/2014/main" id="{6D3C0FB6-1280-0049-8F72-14C75080184F}"/>
+                <a16:creationId xmlns:a16="http://schemas.microsoft.com/office/drawing/2014/main" id="{77C37490-A7AF-9D43-8650-45B3F68E7F9D}"/>
               </a:ext>
             </a:extLst>
           </p:cNvPr>
-          <p:cNvSpPr>
-            <a:spLocks noGrp="1"/>
-          </p:cNvSpPr>
-          <p:nvPr>
-            <p:ph idx="1"/>
-          </p:nvPr>
-        </p:nvSpPr>
-        <p:spPr/>
-        <p:txBody>
-          <a:bodyPr/>
+          <p:cNvPicPr>
+            <a:picLocks noChangeAspect="1"/>
+          </p:cNvPicPr>
+          <p:nvPr/>
+        </p:nvPicPr>
+        <p:blipFill>
+          <a:blip r:embed="rId2"/>
+          <a:stretch>
+            <a:fillRect/>
+          </a:stretch>
+        </p:blipFill>
+        <p:spPr>
+          <a:xfrm>
+            <a:off x="3682879" y="1772657"/>
+            <a:ext cx="5495627" cy="4634561"/>
+          </a:xfrm>
+          <a:prstGeom prst="rect">
+            <a:avLst/>
+          </a:prstGeom>
+        </p:spPr>
+      </p:pic>
+      <p:sp>
+        <p:nvSpPr>
+          <p:cNvPr id="6" name="TextBox 5">
+            <a:extLst>
+              <a:ext uri="{FF2B5EF4-FFF2-40B4-BE49-F238E27FC236}">
+                <a16:creationId xmlns:a16="http://schemas.microsoft.com/office/drawing/2014/main" id="{5C81026F-8C4B-E148-B822-805C621561DF}"/>
+              </a:ext>
+            </a:extLst>
+          </p:cNvPr>
+          <p:cNvSpPr txBox="1"/>
+          <p:nvPr/>
+        </p:nvSpPr>
+        <p:spPr>
+          <a:xfrm>
+            <a:off x="448574" y="2087592"/>
+            <a:ext cx="2242868" cy="1200329"/>
+          </a:xfrm>
+          <a:prstGeom prst="rect">
+            <a:avLst/>
+          </a:prstGeom>
+          <a:noFill/>
+        </p:spPr>
+        <p:txBody>
+          <a:bodyPr wrap="square" rtlCol="0">
+            <a:spAutoFit/>
+          </a:bodyPr>
           <a:lstStyle/>
           <a:p>
-            <a:endParaRPr lang="en-US"/>
+            <a:r>
+              <a:rPr lang="en-US" dirty="0"/>
+              <a:t>NEEDS TO BE RERUN Because normalization for SE is odd! </a:t>
+            </a:r>
           </a:p>
         </p:txBody>
       </p:sp>
@@ -8057,28 +8097,68 @@
           </a:p>
         </p:txBody>
       </p:sp>
-      <p:sp>
-        <p:nvSpPr>
-          <p:cNvPr id="3" name="Content Placeholder 2">
+      <p:pic>
+        <p:nvPicPr>
+          <p:cNvPr id="5" name="Picture 4" descr="A picture containing screenshot&#10;&#10;Description automatically generated">
             <a:extLst>
               <a:ext uri="{FF2B5EF4-FFF2-40B4-BE49-F238E27FC236}">
-                <a16:creationId xmlns:a16="http://schemas.microsoft.com/office/drawing/2014/main" id="{41778043-4BA1-B645-BDC0-87688322453D}"/>
+                <a16:creationId xmlns:a16="http://schemas.microsoft.com/office/drawing/2014/main" id="{6F6B1B97-73DB-3B4C-9451-471F83FD1E59}"/>
               </a:ext>
             </a:extLst>
           </p:cNvPr>
-          <p:cNvSpPr>
-            <a:spLocks noGrp="1"/>
-          </p:cNvSpPr>
-          <p:nvPr>
-            <p:ph idx="1"/>
-          </p:nvPr>
-        </p:nvSpPr>
-        <p:spPr/>
-        <p:txBody>
-          <a:bodyPr/>
+          <p:cNvPicPr>
+            <a:picLocks noChangeAspect="1"/>
+          </p:cNvPicPr>
+          <p:nvPr/>
+        </p:nvPicPr>
+        <p:blipFill>
+          <a:blip r:embed="rId2"/>
+          <a:stretch>
+            <a:fillRect/>
+          </a:stretch>
+        </p:blipFill>
+        <p:spPr>
+          <a:xfrm>
+            <a:off x="3115274" y="1682419"/>
+            <a:ext cx="5961452" cy="5027400"/>
+          </a:xfrm>
+          <a:prstGeom prst="rect">
+            <a:avLst/>
+          </a:prstGeom>
+        </p:spPr>
+      </p:pic>
+      <p:sp>
+        <p:nvSpPr>
+          <p:cNvPr id="6" name="TextBox 5">
+            <a:extLst>
+              <a:ext uri="{FF2B5EF4-FFF2-40B4-BE49-F238E27FC236}">
+                <a16:creationId xmlns:a16="http://schemas.microsoft.com/office/drawing/2014/main" id="{7C6DFCC4-894F-494E-BAC2-C66142FF05B9}"/>
+              </a:ext>
+            </a:extLst>
+          </p:cNvPr>
+          <p:cNvSpPr txBox="1"/>
+          <p:nvPr/>
+        </p:nvSpPr>
+        <p:spPr>
+          <a:xfrm>
+            <a:off x="448574" y="2087592"/>
+            <a:ext cx="2242868" cy="923330"/>
+          </a:xfrm>
+          <a:prstGeom prst="rect">
+            <a:avLst/>
+          </a:prstGeom>
+          <a:noFill/>
+        </p:spPr>
+        <p:txBody>
+          <a:bodyPr wrap="square" rtlCol="0">
+            <a:spAutoFit/>
+          </a:bodyPr>
           <a:lstStyle/>
           <a:p>
-            <a:endParaRPr lang="en-US"/>
+            <a:r>
+              <a:rPr lang="en-US" dirty="0"/>
+              <a:t>NEEDS TO BE RERUN BECAUSE OF SD OF 0uM </a:t>
+            </a:r>
           </a:p>
         </p:txBody>
       </p:sp>

--- a/Figures .pptx
+++ b/Figures .pptx
@@ -4,6 +4,9 @@
   <p:sldMasterIdLst>
     <p:sldMasterId id="2147483737" r:id="rId1"/>
   </p:sldMasterIdLst>
+  <p:notesMasterIdLst>
+    <p:notesMasterId r:id="rId15"/>
+  </p:notesMasterIdLst>
   <p:sldIdLst>
     <p:sldId id="256" r:id="rId2"/>
     <p:sldId id="267" r:id="rId3"/>
@@ -116,6 +119,11 @@
       </a:defRPr>
     </a:lvl9pPr>
   </p:defaultTextStyle>
+  <p:extLst>
+    <p:ext uri="{EFAFB233-063F-42B5-8137-9DF3F51BA10A}">
+      <p15:sldGuideLst xmlns:p15="http://schemas.microsoft.com/office/powerpoint/2012/main"/>
+    </p:ext>
+  </p:extLst>
 </p:presentation>
 </file>
 
@@ -1351,6 +1359,453 @@
 </cs:chartStyle>
 </file>
 
+<file path=ppt/notesMasters/notesMaster1.xml><?xml version="1.0" encoding="utf-8"?>
+<p:notesMaster xmlns:a="http://schemas.openxmlformats.org/drawingml/2006/main" xmlns:r="http://schemas.openxmlformats.org/officeDocument/2006/relationships" xmlns:p="http://schemas.openxmlformats.org/presentationml/2006/main">
+  <p:cSld>
+    <p:bg>
+      <p:bgRef idx="1001">
+        <a:schemeClr val="bg1"/>
+      </p:bgRef>
+    </p:bg>
+    <p:spTree>
+      <p:nvGrpSpPr>
+        <p:cNvPr id="1" name=""/>
+        <p:cNvGrpSpPr/>
+        <p:nvPr/>
+      </p:nvGrpSpPr>
+      <p:grpSpPr>
+        <a:xfrm>
+          <a:off x="0" y="0"/>
+          <a:ext cx="0" cy="0"/>
+          <a:chOff x="0" y="0"/>
+          <a:chExt cx="0" cy="0"/>
+        </a:xfrm>
+      </p:grpSpPr>
+      <p:sp>
+        <p:nvSpPr>
+          <p:cNvPr id="2" name="Header Placeholder 1"/>
+          <p:cNvSpPr>
+            <a:spLocks noGrp="1"/>
+          </p:cNvSpPr>
+          <p:nvPr>
+            <p:ph type="hdr" sz="quarter"/>
+          </p:nvPr>
+        </p:nvSpPr>
+        <p:spPr>
+          <a:xfrm>
+            <a:off x="0" y="0"/>
+            <a:ext cx="2971800" cy="458788"/>
+          </a:xfrm>
+          <a:prstGeom prst="rect">
+            <a:avLst/>
+          </a:prstGeom>
+        </p:spPr>
+        <p:txBody>
+          <a:bodyPr vert="horz" lIns="91440" tIns="45720" rIns="91440" bIns="45720" rtlCol="0"/>
+          <a:lstStyle>
+            <a:lvl1pPr algn="l">
+              <a:defRPr sz="1200"/>
+            </a:lvl1pPr>
+          </a:lstStyle>
+          <a:p>
+            <a:endParaRPr lang="en-US"/>
+          </a:p>
+        </p:txBody>
+      </p:sp>
+      <p:sp>
+        <p:nvSpPr>
+          <p:cNvPr id="3" name="Date Placeholder 2"/>
+          <p:cNvSpPr>
+            <a:spLocks noGrp="1"/>
+          </p:cNvSpPr>
+          <p:nvPr>
+            <p:ph type="dt" idx="1"/>
+          </p:nvPr>
+        </p:nvSpPr>
+        <p:spPr>
+          <a:xfrm>
+            <a:off x="3884613" y="0"/>
+            <a:ext cx="2971800" cy="458788"/>
+          </a:xfrm>
+          <a:prstGeom prst="rect">
+            <a:avLst/>
+          </a:prstGeom>
+        </p:spPr>
+        <p:txBody>
+          <a:bodyPr vert="horz" lIns="91440" tIns="45720" rIns="91440" bIns="45720" rtlCol="0"/>
+          <a:lstStyle>
+            <a:lvl1pPr algn="r">
+              <a:defRPr sz="1200"/>
+            </a:lvl1pPr>
+          </a:lstStyle>
+          <a:p>
+            <a:fld id="{02A18D8B-DC9B-9240-827D-050205FA2A6B}" type="datetimeFigureOut">
+              <a:rPr lang="en-US" smtClean="0"/>
+              <a:t>11/29/19</a:t>
+            </a:fld>
+            <a:endParaRPr lang="en-US"/>
+          </a:p>
+        </p:txBody>
+      </p:sp>
+      <p:sp>
+        <p:nvSpPr>
+          <p:cNvPr id="4" name="Slide Image Placeholder 3"/>
+          <p:cNvSpPr>
+            <a:spLocks noGrp="1" noRot="1" noChangeAspect="1"/>
+          </p:cNvSpPr>
+          <p:nvPr>
+            <p:ph type="sldImg" idx="2"/>
+          </p:nvPr>
+        </p:nvSpPr>
+        <p:spPr>
+          <a:xfrm>
+            <a:off x="685800" y="1143000"/>
+            <a:ext cx="5486400" cy="3086100"/>
+          </a:xfrm>
+          <a:prstGeom prst="rect">
+            <a:avLst/>
+          </a:prstGeom>
+          <a:noFill/>
+          <a:ln w="12700">
+            <a:solidFill>
+              <a:prstClr val="black"/>
+            </a:solidFill>
+          </a:ln>
+        </p:spPr>
+        <p:txBody>
+          <a:bodyPr vert="horz" lIns="91440" tIns="45720" rIns="91440" bIns="45720" rtlCol="0" anchor="ctr"/>
+          <a:lstStyle/>
+          <a:p>
+            <a:endParaRPr lang="en-US"/>
+          </a:p>
+        </p:txBody>
+      </p:sp>
+      <p:sp>
+        <p:nvSpPr>
+          <p:cNvPr id="5" name="Notes Placeholder 4"/>
+          <p:cNvSpPr>
+            <a:spLocks noGrp="1"/>
+          </p:cNvSpPr>
+          <p:nvPr>
+            <p:ph type="body" sz="quarter" idx="3"/>
+          </p:nvPr>
+        </p:nvSpPr>
+        <p:spPr>
+          <a:xfrm>
+            <a:off x="685800" y="4400550"/>
+            <a:ext cx="5486400" cy="3600450"/>
+          </a:xfrm>
+          <a:prstGeom prst="rect">
+            <a:avLst/>
+          </a:prstGeom>
+        </p:spPr>
+        <p:txBody>
+          <a:bodyPr vert="horz" lIns="91440" tIns="45720" rIns="91440" bIns="45720" rtlCol="0"/>
+          <a:lstStyle/>
+          <a:p>
+            <a:pPr lvl="0"/>
+            <a:r>
+              <a:rPr lang="en-US"/>
+              <a:t>Click to edit Master text styles</a:t>
+            </a:r>
+          </a:p>
+          <a:p>
+            <a:pPr lvl="1"/>
+            <a:r>
+              <a:rPr lang="en-US"/>
+              <a:t>Second level</a:t>
+            </a:r>
+          </a:p>
+          <a:p>
+            <a:pPr lvl="2"/>
+            <a:r>
+              <a:rPr lang="en-US"/>
+              <a:t>Third level</a:t>
+            </a:r>
+          </a:p>
+          <a:p>
+            <a:pPr lvl="3"/>
+            <a:r>
+              <a:rPr lang="en-US"/>
+              <a:t>Fourth level</a:t>
+            </a:r>
+          </a:p>
+          <a:p>
+            <a:pPr lvl="4"/>
+            <a:r>
+              <a:rPr lang="en-US"/>
+              <a:t>Fifth level</a:t>
+            </a:r>
+          </a:p>
+        </p:txBody>
+      </p:sp>
+      <p:sp>
+        <p:nvSpPr>
+          <p:cNvPr id="6" name="Footer Placeholder 5"/>
+          <p:cNvSpPr>
+            <a:spLocks noGrp="1"/>
+          </p:cNvSpPr>
+          <p:nvPr>
+            <p:ph type="ftr" sz="quarter" idx="4"/>
+          </p:nvPr>
+        </p:nvSpPr>
+        <p:spPr>
+          <a:xfrm>
+            <a:off x="0" y="8685213"/>
+            <a:ext cx="2971800" cy="458787"/>
+          </a:xfrm>
+          <a:prstGeom prst="rect">
+            <a:avLst/>
+          </a:prstGeom>
+        </p:spPr>
+        <p:txBody>
+          <a:bodyPr vert="horz" lIns="91440" tIns="45720" rIns="91440" bIns="45720" rtlCol="0" anchor="b"/>
+          <a:lstStyle>
+            <a:lvl1pPr algn="l">
+              <a:defRPr sz="1200"/>
+            </a:lvl1pPr>
+          </a:lstStyle>
+          <a:p>
+            <a:endParaRPr lang="en-US"/>
+          </a:p>
+        </p:txBody>
+      </p:sp>
+      <p:sp>
+        <p:nvSpPr>
+          <p:cNvPr id="7" name="Slide Number Placeholder 6"/>
+          <p:cNvSpPr>
+            <a:spLocks noGrp="1"/>
+          </p:cNvSpPr>
+          <p:nvPr>
+            <p:ph type="sldNum" sz="quarter" idx="5"/>
+          </p:nvPr>
+        </p:nvSpPr>
+        <p:spPr>
+          <a:xfrm>
+            <a:off x="3884613" y="8685213"/>
+            <a:ext cx="2971800" cy="458787"/>
+          </a:xfrm>
+          <a:prstGeom prst="rect">
+            <a:avLst/>
+          </a:prstGeom>
+        </p:spPr>
+        <p:txBody>
+          <a:bodyPr vert="horz" lIns="91440" tIns="45720" rIns="91440" bIns="45720" rtlCol="0" anchor="b"/>
+          <a:lstStyle>
+            <a:lvl1pPr algn="r">
+              <a:defRPr sz="1200"/>
+            </a:lvl1pPr>
+          </a:lstStyle>
+          <a:p>
+            <a:fld id="{7620AA1C-266C-1141-A43B-9C354C8AA8E2}" type="slidenum">
+              <a:rPr lang="en-US" smtClean="0"/>
+              <a:t>‹#›</a:t>
+            </a:fld>
+            <a:endParaRPr lang="en-US"/>
+          </a:p>
+        </p:txBody>
+      </p:sp>
+    </p:spTree>
+    <p:extLst>
+      <p:ext uri="{BB962C8B-B14F-4D97-AF65-F5344CB8AC3E}">
+        <p14:creationId xmlns:p14="http://schemas.microsoft.com/office/powerpoint/2010/main" val="2623026428"/>
+      </p:ext>
+    </p:extLst>
+  </p:cSld>
+  <p:clrMap bg1="lt1" tx1="dk1" bg2="lt2" tx2="dk2" accent1="accent1" accent2="accent2" accent3="accent3" accent4="accent4" accent5="accent5" accent6="accent6" hlink="hlink" folHlink="folHlink"/>
+  <p:notesStyle>
+    <a:lvl1pPr marL="0" algn="l" defTabSz="914400" rtl="0" eaLnBrk="1" latinLnBrk="0" hangingPunct="1">
+      <a:defRPr sz="1200" kern="1200">
+        <a:solidFill>
+          <a:schemeClr val="tx1"/>
+        </a:solidFill>
+        <a:latin typeface="+mn-lt"/>
+        <a:ea typeface="+mn-ea"/>
+        <a:cs typeface="+mn-cs"/>
+      </a:defRPr>
+    </a:lvl1pPr>
+    <a:lvl2pPr marL="457200" algn="l" defTabSz="914400" rtl="0" eaLnBrk="1" latinLnBrk="0" hangingPunct="1">
+      <a:defRPr sz="1200" kern="1200">
+        <a:solidFill>
+          <a:schemeClr val="tx1"/>
+        </a:solidFill>
+        <a:latin typeface="+mn-lt"/>
+        <a:ea typeface="+mn-ea"/>
+        <a:cs typeface="+mn-cs"/>
+      </a:defRPr>
+    </a:lvl2pPr>
+    <a:lvl3pPr marL="914400" algn="l" defTabSz="914400" rtl="0" eaLnBrk="1" latinLnBrk="0" hangingPunct="1">
+      <a:defRPr sz="1200" kern="1200">
+        <a:solidFill>
+          <a:schemeClr val="tx1"/>
+        </a:solidFill>
+        <a:latin typeface="+mn-lt"/>
+        <a:ea typeface="+mn-ea"/>
+        <a:cs typeface="+mn-cs"/>
+      </a:defRPr>
+    </a:lvl3pPr>
+    <a:lvl4pPr marL="1371600" algn="l" defTabSz="914400" rtl="0" eaLnBrk="1" latinLnBrk="0" hangingPunct="1">
+      <a:defRPr sz="1200" kern="1200">
+        <a:solidFill>
+          <a:schemeClr val="tx1"/>
+        </a:solidFill>
+        <a:latin typeface="+mn-lt"/>
+        <a:ea typeface="+mn-ea"/>
+        <a:cs typeface="+mn-cs"/>
+      </a:defRPr>
+    </a:lvl4pPr>
+    <a:lvl5pPr marL="1828800" algn="l" defTabSz="914400" rtl="0" eaLnBrk="1" latinLnBrk="0" hangingPunct="1">
+      <a:defRPr sz="1200" kern="1200">
+        <a:solidFill>
+          <a:schemeClr val="tx1"/>
+        </a:solidFill>
+        <a:latin typeface="+mn-lt"/>
+        <a:ea typeface="+mn-ea"/>
+        <a:cs typeface="+mn-cs"/>
+      </a:defRPr>
+    </a:lvl5pPr>
+    <a:lvl6pPr marL="2286000" algn="l" defTabSz="914400" rtl="0" eaLnBrk="1" latinLnBrk="0" hangingPunct="1">
+      <a:defRPr sz="1200" kern="1200">
+        <a:solidFill>
+          <a:schemeClr val="tx1"/>
+        </a:solidFill>
+        <a:latin typeface="+mn-lt"/>
+        <a:ea typeface="+mn-ea"/>
+        <a:cs typeface="+mn-cs"/>
+      </a:defRPr>
+    </a:lvl6pPr>
+    <a:lvl7pPr marL="2743200" algn="l" defTabSz="914400" rtl="0" eaLnBrk="1" latinLnBrk="0" hangingPunct="1">
+      <a:defRPr sz="1200" kern="1200">
+        <a:solidFill>
+          <a:schemeClr val="tx1"/>
+        </a:solidFill>
+        <a:latin typeface="+mn-lt"/>
+        <a:ea typeface="+mn-ea"/>
+        <a:cs typeface="+mn-cs"/>
+      </a:defRPr>
+    </a:lvl7pPr>
+    <a:lvl8pPr marL="3200400" algn="l" defTabSz="914400" rtl="0" eaLnBrk="1" latinLnBrk="0" hangingPunct="1">
+      <a:defRPr sz="1200" kern="1200">
+        <a:solidFill>
+          <a:schemeClr val="tx1"/>
+        </a:solidFill>
+        <a:latin typeface="+mn-lt"/>
+        <a:ea typeface="+mn-ea"/>
+        <a:cs typeface="+mn-cs"/>
+      </a:defRPr>
+    </a:lvl8pPr>
+    <a:lvl9pPr marL="3657600" algn="l" defTabSz="914400" rtl="0" eaLnBrk="1" latinLnBrk="0" hangingPunct="1">
+      <a:defRPr sz="1200" kern="1200">
+        <a:solidFill>
+          <a:schemeClr val="tx1"/>
+        </a:solidFill>
+        <a:latin typeface="+mn-lt"/>
+        <a:ea typeface="+mn-ea"/>
+        <a:cs typeface="+mn-cs"/>
+      </a:defRPr>
+    </a:lvl9pPr>
+  </p:notesStyle>
+</p:notesMaster>
+</file>
+
+<file path=ppt/notesSlides/notesSlide1.xml><?xml version="1.0" encoding="utf-8"?>
+<p:notes xmlns:a="http://schemas.openxmlformats.org/drawingml/2006/main" xmlns:r="http://schemas.openxmlformats.org/officeDocument/2006/relationships" xmlns:p="http://schemas.openxmlformats.org/presentationml/2006/main">
+  <p:cSld>
+    <p:spTree>
+      <p:nvGrpSpPr>
+        <p:cNvPr id="1" name=""/>
+        <p:cNvGrpSpPr/>
+        <p:nvPr/>
+      </p:nvGrpSpPr>
+      <p:grpSpPr>
+        <a:xfrm>
+          <a:off x="0" y="0"/>
+          <a:ext cx="0" cy="0"/>
+          <a:chOff x="0" y="0"/>
+          <a:chExt cx="0" cy="0"/>
+        </a:xfrm>
+      </p:grpSpPr>
+      <p:sp>
+        <p:nvSpPr>
+          <p:cNvPr id="2" name="Slide Image Placeholder 1"/>
+          <p:cNvSpPr>
+            <a:spLocks noGrp="1" noRot="1" noChangeAspect="1"/>
+          </p:cNvSpPr>
+          <p:nvPr>
+            <p:ph type="sldImg"/>
+          </p:nvPr>
+        </p:nvSpPr>
+        <p:spPr/>
+      </p:sp>
+      <p:sp>
+        <p:nvSpPr>
+          <p:cNvPr id="3" name="Notes Placeholder 2"/>
+          <p:cNvSpPr>
+            <a:spLocks noGrp="1"/>
+          </p:cNvSpPr>
+          <p:nvPr>
+            <p:ph type="body" idx="1"/>
+          </p:nvPr>
+        </p:nvSpPr>
+        <p:spPr/>
+        <p:txBody>
+          <a:bodyPr/>
+          <a:lstStyle/>
+          <a:p>
+            <a:r>
+              <a:rPr lang="en-US" dirty="0"/>
+              <a:t>Should this be cell type or </a:t>
+            </a:r>
+            <a:r>
+              <a:rPr lang="en-US" dirty="0" err="1"/>
+              <a:t>mediacondition</a:t>
+            </a:r>
+            <a:r>
+              <a:rPr lang="en-US" dirty="0"/>
+              <a:t>? </a:t>
+            </a:r>
+          </a:p>
+          <a:p>
+            <a:endParaRPr lang="en-US" dirty="0"/>
+          </a:p>
+        </p:txBody>
+      </p:sp>
+      <p:sp>
+        <p:nvSpPr>
+          <p:cNvPr id="4" name="Slide Number Placeholder 3"/>
+          <p:cNvSpPr>
+            <a:spLocks noGrp="1"/>
+          </p:cNvSpPr>
+          <p:nvPr>
+            <p:ph type="sldNum" sz="quarter" idx="5"/>
+          </p:nvPr>
+        </p:nvSpPr>
+        <p:spPr/>
+        <p:txBody>
+          <a:bodyPr/>
+          <a:lstStyle/>
+          <a:p>
+            <a:fld id="{7620AA1C-266C-1141-A43B-9C354C8AA8E2}" type="slidenum">
+              <a:rPr lang="en-US" smtClean="0"/>
+              <a:t>6</a:t>
+            </a:fld>
+            <a:endParaRPr lang="en-US"/>
+          </a:p>
+        </p:txBody>
+      </p:sp>
+    </p:spTree>
+    <p:extLst>
+      <p:ext uri="{BB962C8B-B14F-4D97-AF65-F5344CB8AC3E}">
+        <p14:creationId xmlns:p14="http://schemas.microsoft.com/office/powerpoint/2010/main" val="2885294504"/>
+      </p:ext>
+    </p:extLst>
+  </p:cSld>
+  <p:clrMapOvr>
+    <a:masterClrMapping/>
+  </p:clrMapOvr>
+</p:notes>
+</file>
+
 <file path=ppt/slideLayouts/slideLayout1.xml><?xml version="1.0" encoding="utf-8"?>
 <p:sldLayout xmlns:a="http://schemas.openxmlformats.org/drawingml/2006/main" xmlns:r="http://schemas.openxmlformats.org/officeDocument/2006/relationships" xmlns:p="http://schemas.openxmlformats.org/presentationml/2006/main" type="title" preserve="1">
   <p:cSld name="Title Slide">
@@ -1536,7 +1991,7 @@
           <a:p>
             <a:fld id="{88D38747-4367-4BD2-8D51-C97E202738E2}" type="datetime1">
               <a:rPr lang="en-US" smtClean="0"/>
-              <a:t>11/28/19</a:t>
+              <a:t>11/29/19</a:t>
             </a:fld>
             <a:endParaRPr lang="en-US" dirty="0"/>
           </a:p>
@@ -1841,7 +2296,7 @@
           <a:p>
             <a:fld id="{11F1B079-7EF0-44EE-B798-BCC497C9F3B2}" type="datetime1">
               <a:rPr lang="en-US" smtClean="0"/>
-              <a:t>11/28/19</a:t>
+              <a:t>11/29/19</a:t>
             </a:fld>
             <a:endParaRPr lang="en-US" dirty="0"/>
           </a:p>
@@ -2035,7 +2490,7 @@
           <a:p>
             <a:fld id="{28FF70A8-1D13-4657-95F0-A9EA54967B8D}" type="datetime1">
               <a:rPr lang="en-US" smtClean="0"/>
-              <a:t>11/28/19</a:t>
+              <a:t>11/29/19</a:t>
             </a:fld>
             <a:endParaRPr lang="en-US" dirty="0"/>
           </a:p>
@@ -2298,7 +2753,7 @@
           <a:p>
             <a:fld id="{21EB90AC-71BD-4C7F-8ACA-7B3F18292E63}" type="datetime1">
               <a:rPr lang="en-US" smtClean="0"/>
-              <a:t>11/28/19</a:t>
+              <a:t>11/29/19</a:t>
             </a:fld>
             <a:endParaRPr lang="en-US" dirty="0"/>
           </a:p>
@@ -2734,7 +3189,7 @@
           <a:p>
             <a:fld id="{4E6EFC2C-8905-46F0-B443-CE905B76BA01}" type="datetime1">
               <a:rPr lang="en-US" smtClean="0"/>
-              <a:t>11/28/19</a:t>
+              <a:t>11/29/19</a:t>
             </a:fld>
             <a:endParaRPr lang="en-US" dirty="0"/>
           </a:p>
@@ -3271,7 +3726,7 @@
           <a:p>
             <a:fld id="{D9079DC3-C9B5-499E-9140-0DC28B7074E2}" type="datetime1">
               <a:rPr lang="en-US" smtClean="0"/>
-              <a:t>11/28/19</a:t>
+              <a:t>11/29/19</a:t>
             </a:fld>
             <a:endParaRPr lang="en-US" dirty="0"/>
           </a:p>
@@ -4153,7 +4608,7 @@
           <a:p>
             <a:fld id="{30BB33EA-E472-4D22-9C03-A9C14AA21CED}" type="datetime1">
               <a:rPr lang="en-US" smtClean="0"/>
-              <a:t>11/28/19</a:t>
+              <a:t>11/29/19</a:t>
             </a:fld>
             <a:endParaRPr lang="en-US" dirty="0"/>
           </a:p>
@@ -4323,7 +4778,7 @@
           <a:p>
             <a:fld id="{217E833E-1B6D-415F-AD29-75AE8C43BD0D}" type="datetime1">
               <a:rPr lang="en-US" smtClean="0"/>
-              <a:t>11/28/19</a:t>
+              <a:t>11/29/19</a:t>
             </a:fld>
             <a:endParaRPr lang="en-US" dirty="0"/>
           </a:p>
@@ -4507,7 +4962,7 @@
           <a:p>
             <a:fld id="{8452596F-08A7-4B70-989A-F2B1CF31E66B}" type="datetime1">
               <a:rPr lang="en-US" smtClean="0"/>
-              <a:t>11/28/19</a:t>
+              <a:t>11/29/19</a:t>
             </a:fld>
             <a:endParaRPr lang="en-US" dirty="0"/>
           </a:p>
@@ -4677,7 +5132,7 @@
           <a:p>
             <a:fld id="{73C55A3C-5767-4844-A0A3-83778C2E5409}" type="datetime1">
               <a:rPr lang="en-US" smtClean="0"/>
-              <a:t>11/28/19</a:t>
+              <a:t>11/29/19</a:t>
             </a:fld>
             <a:endParaRPr lang="en-US" dirty="0"/>
           </a:p>
@@ -4921,7 +5376,7 @@
           <a:p>
             <a:fld id="{CAE507A8-A5CF-4D38-AB86-7EDDA87A85D4}" type="datetime1">
               <a:rPr lang="en-US" smtClean="0"/>
-              <a:t>11/28/19</a:t>
+              <a:t>11/29/19</a:t>
             </a:fld>
             <a:endParaRPr lang="en-US" dirty="0"/>
           </a:p>
@@ -5163,7 +5618,7 @@
           <a:p>
             <a:fld id="{BDFCD27C-8599-43EF-BA1D-14DDC1946E06}" type="datetime1">
               <a:rPr lang="en-US" smtClean="0"/>
-              <a:t>11/28/19</a:t>
+              <a:t>11/29/19</a:t>
             </a:fld>
             <a:endParaRPr lang="en-US" dirty="0"/>
           </a:p>
@@ -5644,7 +6099,7 @@
           <a:p>
             <a:fld id="{49343D99-809A-49C0-96E5-4250D0B498EE}" type="datetime1">
               <a:rPr lang="en-US" smtClean="0"/>
-              <a:t>11/28/19</a:t>
+              <a:t>11/29/19</a:t>
             </a:fld>
             <a:endParaRPr lang="en-US" dirty="0"/>
           </a:p>
@@ -5762,7 +6217,7 @@
           <a:p>
             <a:fld id="{A143DE9B-B678-4EFB-BB7D-A4370204A0B0}" type="datetime1">
               <a:rPr lang="en-US" smtClean="0"/>
-              <a:t>11/28/19</a:t>
+              <a:t>11/29/19</a:t>
             </a:fld>
             <a:endParaRPr lang="en-US" dirty="0"/>
           </a:p>
@@ -5857,7 +6312,7 @@
           <a:p>
             <a:fld id="{E68812DA-F765-4142-A6A3-A8ED7235E082}" type="datetime1">
               <a:rPr lang="en-US" smtClean="0"/>
-              <a:t>11/28/19</a:t>
+              <a:t>11/29/19</a:t>
             </a:fld>
             <a:endParaRPr lang="en-US" dirty="0"/>
           </a:p>
@@ -6112,7 +6567,7 @@
           <a:p>
             <a:fld id="{3E0277FD-7DE6-41D4-930D-AC99F5AFE54E}" type="datetime1">
               <a:rPr lang="en-US" smtClean="0"/>
-              <a:t>11/28/19</a:t>
+              <a:t>11/29/19</a:t>
             </a:fld>
             <a:endParaRPr lang="en-US" dirty="0"/>
           </a:p>
@@ -6419,7 +6874,7 @@
           <a:p>
             <a:fld id="{9EA15526-7079-4B7B-987C-1B5FAE11A0FF}" type="datetime1">
               <a:rPr lang="en-US" smtClean="0"/>
-              <a:t>11/28/19</a:t>
+              <a:t>11/29/19</a:t>
             </a:fld>
             <a:endParaRPr lang="en-US" dirty="0"/>
           </a:p>
@@ -6654,7 +7109,7 @@
           <a:p>
             <a:fld id="{073ED0CC-082F-4160-86E5-0D6041F12778}" type="datetime1">
               <a:rPr lang="en-US" smtClean="0"/>
-              <a:t>11/28/19</a:t>
+              <a:t>11/29/19</a:t>
             </a:fld>
             <a:endParaRPr lang="en-US" dirty="0"/>
           </a:p>
@@ -7618,10 +8073,10 @@
       </p:sp>
       <p:pic>
         <p:nvPicPr>
-          <p:cNvPr id="5" name="Picture 4" descr="A screenshot of a cell phone&#10;&#10;Description automatically generated">
+          <p:cNvPr id="4" name="Picture 3" descr="A screenshot of a cell phone&#10;&#10;Description automatically generated">
             <a:extLst>
               <a:ext uri="{FF2B5EF4-FFF2-40B4-BE49-F238E27FC236}">
-                <a16:creationId xmlns:a16="http://schemas.microsoft.com/office/drawing/2014/main" id="{CB3CDA40-0990-D348-B361-FCF986370957}"/>
+                <a16:creationId xmlns:a16="http://schemas.microsoft.com/office/drawing/2014/main" id="{BBD42F0C-6837-B14F-95F0-ED2150FB5E32}"/>
               </a:ext>
             </a:extLst>
           </p:cNvPr>
@@ -7638,8 +8093,8 @@
         </p:blipFill>
         <p:spPr>
           <a:xfrm>
-            <a:off x="3144455" y="1674936"/>
-            <a:ext cx="5892441" cy="4969201"/>
+            <a:off x="3143235" y="1715290"/>
+            <a:ext cx="5894882" cy="4971260"/>
           </a:xfrm>
           <a:prstGeom prst="rect">
             <a:avLst/>
@@ -8398,10 +8853,10 @@
       </p:sp>
       <p:pic>
         <p:nvPicPr>
-          <p:cNvPr id="5" name="Picture 4" descr="A screenshot of a cell phone&#10;&#10;Description automatically generated">
+          <p:cNvPr id="4" name="Picture 3" descr="A screenshot of a cell phone&#10;&#10;Description automatically generated">
             <a:extLst>
               <a:ext uri="{FF2B5EF4-FFF2-40B4-BE49-F238E27FC236}">
-                <a16:creationId xmlns:a16="http://schemas.microsoft.com/office/drawing/2014/main" id="{9430967B-B53A-1948-B884-4EC485EA9506}"/>
+                <a16:creationId xmlns:a16="http://schemas.microsoft.com/office/drawing/2014/main" id="{E94755CC-ED4E-3748-AA21-018AD2C6EAEB}"/>
               </a:ext>
             </a:extLst>
           </p:cNvPr>
@@ -8411,15 +8866,15 @@
           <p:nvPr/>
         </p:nvPicPr>
         <p:blipFill>
-          <a:blip r:embed="rId2"/>
+          <a:blip r:embed="rId3"/>
           <a:stretch>
             <a:fillRect/>
           </a:stretch>
         </p:blipFill>
         <p:spPr>
           <a:xfrm>
-            <a:off x="2786211" y="1714859"/>
-            <a:ext cx="6619577" cy="4845531"/>
+            <a:off x="2997200" y="1866900"/>
+            <a:ext cx="7080250" cy="4711584"/>
           </a:xfrm>
           <a:prstGeom prst="rect">
             <a:avLst/>
@@ -8983,4 +9438,299 @@
     </a:ext>
   </a:extLst>
 </a:theme>
+</file>
+
+<file path=ppt/theme/theme2.xml><?xml version="1.0" encoding="utf-8"?>
+<a:theme xmlns:a="http://schemas.openxmlformats.org/drawingml/2006/main" name="Office Theme">
+  <a:themeElements>
+    <a:clrScheme name="Office">
+      <a:dk1>
+        <a:sysClr val="windowText" lastClr="000000"/>
+      </a:dk1>
+      <a:lt1>
+        <a:sysClr val="window" lastClr="FFFFFF"/>
+      </a:lt1>
+      <a:dk2>
+        <a:srgbClr val="44546A"/>
+      </a:dk2>
+      <a:lt2>
+        <a:srgbClr val="E7E6E6"/>
+      </a:lt2>
+      <a:accent1>
+        <a:srgbClr val="4472C4"/>
+      </a:accent1>
+      <a:accent2>
+        <a:srgbClr val="ED7D31"/>
+      </a:accent2>
+      <a:accent3>
+        <a:srgbClr val="A5A5A5"/>
+      </a:accent3>
+      <a:accent4>
+        <a:srgbClr val="FFC000"/>
+      </a:accent4>
+      <a:accent5>
+        <a:srgbClr val="5B9BD5"/>
+      </a:accent5>
+      <a:accent6>
+        <a:srgbClr val="70AD47"/>
+      </a:accent6>
+      <a:hlink>
+        <a:srgbClr val="0563C1"/>
+      </a:hlink>
+      <a:folHlink>
+        <a:srgbClr val="954F72"/>
+      </a:folHlink>
+    </a:clrScheme>
+    <a:fontScheme name="Office">
+      <a:majorFont>
+        <a:latin typeface="Calibri Light" panose="020F0302020204030204"/>
+        <a:ea typeface=""/>
+        <a:cs typeface=""/>
+        <a:font script="Jpan" typeface="游ゴシック Light"/>
+        <a:font script="Hang" typeface="맑은 고딕"/>
+        <a:font script="Hans" typeface="等线 Light"/>
+        <a:font script="Hant" typeface="新細明體"/>
+        <a:font script="Arab" typeface="Times New Roman"/>
+        <a:font script="Hebr" typeface="Times New Roman"/>
+        <a:font script="Thai" typeface="Angsana New"/>
+        <a:font script="Ethi" typeface="Nyala"/>
+        <a:font script="Beng" typeface="Vrinda"/>
+        <a:font script="Gujr" typeface="Shruti"/>
+        <a:font script="Khmr" typeface="MoolBoran"/>
+        <a:font script="Knda" typeface="Tunga"/>
+        <a:font script="Guru" typeface="Raavi"/>
+        <a:font script="Cans" typeface="Euphemia"/>
+        <a:font script="Cher" typeface="Plantagenet Cherokee"/>
+        <a:font script="Yiii" typeface="Microsoft Yi Baiti"/>
+        <a:font script="Tibt" typeface="Microsoft Himalaya"/>
+        <a:font script="Thaa" typeface="MV Boli"/>
+        <a:font script="Deva" typeface="Mangal"/>
+        <a:font script="Telu" typeface="Gautami"/>
+        <a:font script="Taml" typeface="Latha"/>
+        <a:font script="Syrc" typeface="Estrangelo Edessa"/>
+        <a:font script="Orya" typeface="Kalinga"/>
+        <a:font script="Mlym" typeface="Kartika"/>
+        <a:font script="Laoo" typeface="DokChampa"/>
+        <a:font script="Sinh" typeface="Iskoola Pota"/>
+        <a:font script="Mong" typeface="Mongolian Baiti"/>
+        <a:font script="Viet" typeface="Times New Roman"/>
+        <a:font script="Uigh" typeface="Microsoft Uighur"/>
+        <a:font script="Geor" typeface="Sylfaen"/>
+        <a:font script="Armn" typeface="Arial"/>
+        <a:font script="Bugi" typeface="Leelawadee UI"/>
+        <a:font script="Bopo" typeface="Microsoft JhengHei"/>
+        <a:font script="Java" typeface="Javanese Text"/>
+        <a:font script="Lisu" typeface="Segoe UI"/>
+        <a:font script="Mymr" typeface="Myanmar Text"/>
+        <a:font script="Nkoo" typeface="Ebrima"/>
+        <a:font script="Olck" typeface="Nirmala UI"/>
+        <a:font script="Osma" typeface="Ebrima"/>
+        <a:font script="Phag" typeface="Phagspa"/>
+        <a:font script="Syrn" typeface="Estrangelo Edessa"/>
+        <a:font script="Syrj" typeface="Estrangelo Edessa"/>
+        <a:font script="Syre" typeface="Estrangelo Edessa"/>
+        <a:font script="Sora" typeface="Nirmala UI"/>
+        <a:font script="Tale" typeface="Microsoft Tai Le"/>
+        <a:font script="Talu" typeface="Microsoft New Tai Lue"/>
+        <a:font script="Tfng" typeface="Ebrima"/>
+      </a:majorFont>
+      <a:minorFont>
+        <a:latin typeface="Calibri" panose="020F0502020204030204"/>
+        <a:ea typeface=""/>
+        <a:cs typeface=""/>
+        <a:font script="Jpan" typeface="游ゴシック"/>
+        <a:font script="Hang" typeface="맑은 고딕"/>
+        <a:font script="Hans" typeface="等线"/>
+        <a:font script="Hant" typeface="新細明體"/>
+        <a:font script="Arab" typeface="Arial"/>
+        <a:font script="Hebr" typeface="Arial"/>
+        <a:font script="Thai" typeface="Cordia New"/>
+        <a:font script="Ethi" typeface="Nyala"/>
+        <a:font script="Beng" typeface="Vrinda"/>
+        <a:font script="Gujr" typeface="Shruti"/>
+        <a:font script="Khmr" typeface="DaunPenh"/>
+        <a:font script="Knda" typeface="Tunga"/>
+        <a:font script="Guru" typeface="Raavi"/>
+        <a:font script="Cans" typeface="Euphemia"/>
+        <a:font script="Cher" typeface="Plantagenet Cherokee"/>
+        <a:font script="Yiii" typeface="Microsoft Yi Baiti"/>
+        <a:font script="Tibt" typeface="Microsoft Himalaya"/>
+        <a:font script="Thaa" typeface="MV Boli"/>
+        <a:font script="Deva" typeface="Mangal"/>
+        <a:font script="Telu" typeface="Gautami"/>
+        <a:font script="Taml" typeface="Latha"/>
+        <a:font script="Syrc" typeface="Estrangelo Edessa"/>
+        <a:font script="Orya" typeface="Kalinga"/>
+        <a:font script="Mlym" typeface="Kartika"/>
+        <a:font script="Laoo" typeface="DokChampa"/>
+        <a:font script="Sinh" typeface="Iskoola Pota"/>
+        <a:font script="Mong" typeface="Mongolian Baiti"/>
+        <a:font script="Viet" typeface="Arial"/>
+        <a:font script="Uigh" typeface="Microsoft Uighur"/>
+        <a:font script="Geor" typeface="Sylfaen"/>
+        <a:font script="Armn" typeface="Arial"/>
+        <a:font script="Bugi" typeface="Leelawadee UI"/>
+        <a:font script="Bopo" typeface="Microsoft JhengHei"/>
+        <a:font script="Java" typeface="Javanese Text"/>
+        <a:font script="Lisu" typeface="Segoe UI"/>
+        <a:font script="Mymr" typeface="Myanmar Text"/>
+        <a:font script="Nkoo" typeface="Ebrima"/>
+        <a:font script="Olck" typeface="Nirmala UI"/>
+        <a:font script="Osma" typeface="Ebrima"/>
+        <a:font script="Phag" typeface="Phagspa"/>
+        <a:font script="Syrn" typeface="Estrangelo Edessa"/>
+        <a:font script="Syrj" typeface="Estrangelo Edessa"/>
+        <a:font script="Syre" typeface="Estrangelo Edessa"/>
+        <a:font script="Sora" typeface="Nirmala UI"/>
+        <a:font script="Tale" typeface="Microsoft Tai Le"/>
+        <a:font script="Talu" typeface="Microsoft New Tai Lue"/>
+        <a:font script="Tfng" typeface="Ebrima"/>
+      </a:minorFont>
+    </a:fontScheme>
+    <a:fmtScheme name="Office">
+      <a:fillStyleLst>
+        <a:solidFill>
+          <a:schemeClr val="phClr"/>
+        </a:solidFill>
+        <a:gradFill rotWithShape="1">
+          <a:gsLst>
+            <a:gs pos="0">
+              <a:schemeClr val="phClr">
+                <a:lumMod val="110000"/>
+                <a:satMod val="105000"/>
+                <a:tint val="67000"/>
+              </a:schemeClr>
+            </a:gs>
+            <a:gs pos="50000">
+              <a:schemeClr val="phClr">
+                <a:lumMod val="105000"/>
+                <a:satMod val="103000"/>
+                <a:tint val="73000"/>
+              </a:schemeClr>
+            </a:gs>
+            <a:gs pos="100000">
+              <a:schemeClr val="phClr">
+                <a:lumMod val="105000"/>
+                <a:satMod val="109000"/>
+                <a:tint val="81000"/>
+              </a:schemeClr>
+            </a:gs>
+          </a:gsLst>
+          <a:lin ang="5400000" scaled="0"/>
+        </a:gradFill>
+        <a:gradFill rotWithShape="1">
+          <a:gsLst>
+            <a:gs pos="0">
+              <a:schemeClr val="phClr">
+                <a:satMod val="103000"/>
+                <a:lumMod val="102000"/>
+                <a:tint val="94000"/>
+              </a:schemeClr>
+            </a:gs>
+            <a:gs pos="50000">
+              <a:schemeClr val="phClr">
+                <a:satMod val="110000"/>
+                <a:lumMod val="100000"/>
+                <a:shade val="100000"/>
+              </a:schemeClr>
+            </a:gs>
+            <a:gs pos="100000">
+              <a:schemeClr val="phClr">
+                <a:lumMod val="99000"/>
+                <a:satMod val="120000"/>
+                <a:shade val="78000"/>
+              </a:schemeClr>
+            </a:gs>
+          </a:gsLst>
+          <a:lin ang="5400000" scaled="0"/>
+        </a:gradFill>
+      </a:fillStyleLst>
+      <a:lnStyleLst>
+        <a:ln w="6350" cap="flat" cmpd="sng" algn="ctr">
+          <a:solidFill>
+            <a:schemeClr val="phClr"/>
+          </a:solidFill>
+          <a:prstDash val="solid"/>
+          <a:miter lim="800000"/>
+        </a:ln>
+        <a:ln w="12700" cap="flat" cmpd="sng" algn="ctr">
+          <a:solidFill>
+            <a:schemeClr val="phClr"/>
+          </a:solidFill>
+          <a:prstDash val="solid"/>
+          <a:miter lim="800000"/>
+        </a:ln>
+        <a:ln w="19050" cap="flat" cmpd="sng" algn="ctr">
+          <a:solidFill>
+            <a:schemeClr val="phClr"/>
+          </a:solidFill>
+          <a:prstDash val="solid"/>
+          <a:miter lim="800000"/>
+        </a:ln>
+      </a:lnStyleLst>
+      <a:effectStyleLst>
+        <a:effectStyle>
+          <a:effectLst/>
+        </a:effectStyle>
+        <a:effectStyle>
+          <a:effectLst/>
+        </a:effectStyle>
+        <a:effectStyle>
+          <a:effectLst>
+            <a:outerShdw blurRad="57150" dist="19050" dir="5400000" algn="ctr" rotWithShape="0">
+              <a:srgbClr val="000000">
+                <a:alpha val="63000"/>
+              </a:srgbClr>
+            </a:outerShdw>
+          </a:effectLst>
+        </a:effectStyle>
+      </a:effectStyleLst>
+      <a:bgFillStyleLst>
+        <a:solidFill>
+          <a:schemeClr val="phClr"/>
+        </a:solidFill>
+        <a:solidFill>
+          <a:schemeClr val="phClr">
+            <a:tint val="95000"/>
+            <a:satMod val="170000"/>
+          </a:schemeClr>
+        </a:solidFill>
+        <a:gradFill rotWithShape="1">
+          <a:gsLst>
+            <a:gs pos="0">
+              <a:schemeClr val="phClr">
+                <a:tint val="93000"/>
+                <a:satMod val="150000"/>
+                <a:shade val="98000"/>
+                <a:lumMod val="102000"/>
+              </a:schemeClr>
+            </a:gs>
+            <a:gs pos="50000">
+              <a:schemeClr val="phClr">
+                <a:tint val="98000"/>
+                <a:satMod val="130000"/>
+                <a:shade val="90000"/>
+                <a:lumMod val="103000"/>
+              </a:schemeClr>
+            </a:gs>
+            <a:gs pos="100000">
+              <a:schemeClr val="phClr">
+                <a:shade val="63000"/>
+                <a:satMod val="120000"/>
+              </a:schemeClr>
+            </a:gs>
+          </a:gsLst>
+          <a:lin ang="5400000" scaled="0"/>
+        </a:gradFill>
+      </a:bgFillStyleLst>
+    </a:fmtScheme>
+  </a:themeElements>
+  <a:objectDefaults/>
+  <a:extraClrSchemeLst/>
+  <a:extLst>
+    <a:ext uri="{05A4C25C-085E-4340-85A3-A5531E510DB2}">
+      <thm15:themeFamily xmlns:thm15="http://schemas.microsoft.com/office/thememl/2012/main" name="Office Theme" id="{62F939B6-93AF-4DB8-9C6B-D6C7DFDC589F}" vid="{4A3C46E8-61CC-4603-A589-7422A47A8E4A}"/>
+    </a:ext>
+  </a:extLst>
+</a:theme>
 </file>
--- a/Figures .pptx
+++ b/Figures .pptx
@@ -1441,7 +1441,7 @@
           <a:p>
             <a:fld id="{02A18D8B-DC9B-9240-827D-050205FA2A6B}" type="datetimeFigureOut">
               <a:rPr lang="en-US" smtClean="0"/>
-              <a:t>11/29/19</a:t>
+              <a:t>12/2/19</a:t>
             </a:fld>
             <a:endParaRPr lang="en-US"/>
           </a:p>
@@ -1991,7 +1991,7 @@
           <a:p>
             <a:fld id="{88D38747-4367-4BD2-8D51-C97E202738E2}" type="datetime1">
               <a:rPr lang="en-US" smtClean="0"/>
-              <a:t>11/29/19</a:t>
+              <a:t>12/2/19</a:t>
             </a:fld>
             <a:endParaRPr lang="en-US" dirty="0"/>
           </a:p>
@@ -2296,7 +2296,7 @@
           <a:p>
             <a:fld id="{11F1B079-7EF0-44EE-B798-BCC497C9F3B2}" type="datetime1">
               <a:rPr lang="en-US" smtClean="0"/>
-              <a:t>11/29/19</a:t>
+              <a:t>12/2/19</a:t>
             </a:fld>
             <a:endParaRPr lang="en-US" dirty="0"/>
           </a:p>
@@ -2490,7 +2490,7 @@
           <a:p>
             <a:fld id="{28FF70A8-1D13-4657-95F0-A9EA54967B8D}" type="datetime1">
               <a:rPr lang="en-US" smtClean="0"/>
-              <a:t>11/29/19</a:t>
+              <a:t>12/2/19</a:t>
             </a:fld>
             <a:endParaRPr lang="en-US" dirty="0"/>
           </a:p>
@@ -2753,7 +2753,7 @@
           <a:p>
             <a:fld id="{21EB90AC-71BD-4C7F-8ACA-7B3F18292E63}" type="datetime1">
               <a:rPr lang="en-US" smtClean="0"/>
-              <a:t>11/29/19</a:t>
+              <a:t>12/2/19</a:t>
             </a:fld>
             <a:endParaRPr lang="en-US" dirty="0"/>
           </a:p>
@@ -3189,7 +3189,7 @@
           <a:p>
             <a:fld id="{4E6EFC2C-8905-46F0-B443-CE905B76BA01}" type="datetime1">
               <a:rPr lang="en-US" smtClean="0"/>
-              <a:t>11/29/19</a:t>
+              <a:t>12/2/19</a:t>
             </a:fld>
             <a:endParaRPr lang="en-US" dirty="0"/>
           </a:p>
@@ -3726,7 +3726,7 @@
           <a:p>
             <a:fld id="{D9079DC3-C9B5-499E-9140-0DC28B7074E2}" type="datetime1">
               <a:rPr lang="en-US" smtClean="0"/>
-              <a:t>11/29/19</a:t>
+              <a:t>12/2/19</a:t>
             </a:fld>
             <a:endParaRPr lang="en-US" dirty="0"/>
           </a:p>
@@ -4608,7 +4608,7 @@
           <a:p>
             <a:fld id="{30BB33EA-E472-4D22-9C03-A9C14AA21CED}" type="datetime1">
               <a:rPr lang="en-US" smtClean="0"/>
-              <a:t>11/29/19</a:t>
+              <a:t>12/2/19</a:t>
             </a:fld>
             <a:endParaRPr lang="en-US" dirty="0"/>
           </a:p>
@@ -4778,7 +4778,7 @@
           <a:p>
             <a:fld id="{217E833E-1B6D-415F-AD29-75AE8C43BD0D}" type="datetime1">
               <a:rPr lang="en-US" smtClean="0"/>
-              <a:t>11/29/19</a:t>
+              <a:t>12/2/19</a:t>
             </a:fld>
             <a:endParaRPr lang="en-US" dirty="0"/>
           </a:p>
@@ -4962,7 +4962,7 @@
           <a:p>
             <a:fld id="{8452596F-08A7-4B70-989A-F2B1CF31E66B}" type="datetime1">
               <a:rPr lang="en-US" smtClean="0"/>
-              <a:t>11/29/19</a:t>
+              <a:t>12/2/19</a:t>
             </a:fld>
             <a:endParaRPr lang="en-US" dirty="0"/>
           </a:p>
@@ -5132,7 +5132,7 @@
           <a:p>
             <a:fld id="{73C55A3C-5767-4844-A0A3-83778C2E5409}" type="datetime1">
               <a:rPr lang="en-US" smtClean="0"/>
-              <a:t>11/29/19</a:t>
+              <a:t>12/2/19</a:t>
             </a:fld>
             <a:endParaRPr lang="en-US" dirty="0"/>
           </a:p>
@@ -5376,7 +5376,7 @@
           <a:p>
             <a:fld id="{CAE507A8-A5CF-4D38-AB86-7EDDA87A85D4}" type="datetime1">
               <a:rPr lang="en-US" smtClean="0"/>
-              <a:t>11/29/19</a:t>
+              <a:t>12/2/19</a:t>
             </a:fld>
             <a:endParaRPr lang="en-US" dirty="0"/>
           </a:p>
@@ -5618,7 +5618,7 @@
           <a:p>
             <a:fld id="{BDFCD27C-8599-43EF-BA1D-14DDC1946E06}" type="datetime1">
               <a:rPr lang="en-US" smtClean="0"/>
-              <a:t>11/29/19</a:t>
+              <a:t>12/2/19</a:t>
             </a:fld>
             <a:endParaRPr lang="en-US" dirty="0"/>
           </a:p>
@@ -6099,7 +6099,7 @@
           <a:p>
             <a:fld id="{49343D99-809A-49C0-96E5-4250D0B498EE}" type="datetime1">
               <a:rPr lang="en-US" smtClean="0"/>
-              <a:t>11/29/19</a:t>
+              <a:t>12/2/19</a:t>
             </a:fld>
             <a:endParaRPr lang="en-US" dirty="0"/>
           </a:p>
@@ -6217,7 +6217,7 @@
           <a:p>
             <a:fld id="{A143DE9B-B678-4EFB-BB7D-A4370204A0B0}" type="datetime1">
               <a:rPr lang="en-US" smtClean="0"/>
-              <a:t>11/29/19</a:t>
+              <a:t>12/2/19</a:t>
             </a:fld>
             <a:endParaRPr lang="en-US" dirty="0"/>
           </a:p>
@@ -6312,7 +6312,7 @@
           <a:p>
             <a:fld id="{E68812DA-F765-4142-A6A3-A8ED7235E082}" type="datetime1">
               <a:rPr lang="en-US" smtClean="0"/>
-              <a:t>11/29/19</a:t>
+              <a:t>12/2/19</a:t>
             </a:fld>
             <a:endParaRPr lang="en-US" dirty="0"/>
           </a:p>
@@ -6567,7 +6567,7 @@
           <a:p>
             <a:fld id="{3E0277FD-7DE6-41D4-930D-AC99F5AFE54E}" type="datetime1">
               <a:rPr lang="en-US" smtClean="0"/>
-              <a:t>11/29/19</a:t>
+              <a:t>12/2/19</a:t>
             </a:fld>
             <a:endParaRPr lang="en-US" dirty="0"/>
           </a:p>
@@ -6874,7 +6874,7 @@
           <a:p>
             <a:fld id="{9EA15526-7079-4B7B-987C-1B5FAE11A0FF}" type="datetime1">
               <a:rPr lang="en-US" smtClean="0"/>
-              <a:t>11/29/19</a:t>
+              <a:t>12/2/19</a:t>
             </a:fld>
             <a:endParaRPr lang="en-US" dirty="0"/>
           </a:p>
@@ -7109,7 +7109,7 @@
           <a:p>
             <a:fld id="{073ED0CC-082F-4160-86E5-0D6041F12778}" type="datetime1">
               <a:rPr lang="en-US" smtClean="0"/>
-              <a:t>11/29/19</a:t>
+              <a:t>12/2/19</a:t>
             </a:fld>
             <a:endParaRPr lang="en-US" dirty="0"/>
           </a:p>

--- a/Figures .pptx
+++ b/Figures .pptx
@@ -5,7 +5,7 @@
     <p:sldMasterId id="2147483737" r:id="rId1"/>
   </p:sldMasterIdLst>
   <p:notesMasterIdLst>
-    <p:notesMasterId r:id="rId15"/>
+    <p:notesMasterId r:id="rId21"/>
   </p:notesMasterIdLst>
   <p:sldIdLst>
     <p:sldId id="256" r:id="rId2"/>
@@ -21,6 +21,12 @@
     <p:sldId id="266" r:id="rId12"/>
     <p:sldId id="261" r:id="rId13"/>
     <p:sldId id="262" r:id="rId14"/>
+    <p:sldId id="269" r:id="rId15"/>
+    <p:sldId id="270" r:id="rId16"/>
+    <p:sldId id="272" r:id="rId17"/>
+    <p:sldId id="273" r:id="rId18"/>
+    <p:sldId id="271" r:id="rId19"/>
+    <p:sldId id="274" r:id="rId20"/>
   </p:sldIdLst>
   <p:sldSz cx="12192000" cy="6858000"/>
   <p:notesSz cx="6858000" cy="9144000"/>
@@ -626,7 +632,7 @@
                   </a:defRPr>
                 </a:pPr>
                 <a:r>
-                  <a:rPr lang="en-US">
+                  <a:rPr lang="en-US" dirty="0">
                     <a:solidFill>
                       <a:schemeClr val="tx1"/>
                     </a:solidFill>
@@ -636,7 +642,7 @@
                   <a:t>Absorbance</a:t>
                 </a:r>
                 <a:r>
-                  <a:rPr lang="en-US" baseline="0">
+                  <a:rPr lang="en-US" baseline="0" dirty="0">
                     <a:solidFill>
                       <a:schemeClr val="tx1"/>
                     </a:solidFill>
@@ -651,7 +657,7 @@
                   <a:defRPr/>
                 </a:pPr>
                 <a:r>
-                  <a:rPr lang="en-US" baseline="0">
+                  <a:rPr lang="en-US" baseline="0" dirty="0">
                     <a:solidFill>
                       <a:schemeClr val="tx1"/>
                     </a:solidFill>
@@ -660,7 +666,7 @@
                   </a:rPr>
                   <a:t> </a:t>
                 </a:r>
-                <a:endParaRPr lang="en-US">
+                <a:endParaRPr lang="en-US" dirty="0">
                   <a:solidFill>
                     <a:schemeClr val="tx1"/>
                   </a:solidFill>
@@ -1441,7 +1447,7 @@
           <a:p>
             <a:fld id="{02A18D8B-DC9B-9240-827D-050205FA2A6B}" type="datetimeFigureOut">
               <a:rPr lang="en-US" smtClean="0"/>
-              <a:t>12/2/19</a:t>
+              <a:t>12/3/19</a:t>
             </a:fld>
             <a:endParaRPr lang="en-US"/>
           </a:p>
@@ -1991,7 +1997,7 @@
           <a:p>
             <a:fld id="{88D38747-4367-4BD2-8D51-C97E202738E2}" type="datetime1">
               <a:rPr lang="en-US" smtClean="0"/>
-              <a:t>12/2/19</a:t>
+              <a:t>12/3/19</a:t>
             </a:fld>
             <a:endParaRPr lang="en-US" dirty="0"/>
           </a:p>
@@ -2296,7 +2302,7 @@
           <a:p>
             <a:fld id="{11F1B079-7EF0-44EE-B798-BCC497C9F3B2}" type="datetime1">
               <a:rPr lang="en-US" smtClean="0"/>
-              <a:t>12/2/19</a:t>
+              <a:t>12/3/19</a:t>
             </a:fld>
             <a:endParaRPr lang="en-US" dirty="0"/>
           </a:p>
@@ -2490,7 +2496,7 @@
           <a:p>
             <a:fld id="{28FF70A8-1D13-4657-95F0-A9EA54967B8D}" type="datetime1">
               <a:rPr lang="en-US" smtClean="0"/>
-              <a:t>12/2/19</a:t>
+              <a:t>12/3/19</a:t>
             </a:fld>
             <a:endParaRPr lang="en-US" dirty="0"/>
           </a:p>
@@ -2753,7 +2759,7 @@
           <a:p>
             <a:fld id="{21EB90AC-71BD-4C7F-8ACA-7B3F18292E63}" type="datetime1">
               <a:rPr lang="en-US" smtClean="0"/>
-              <a:t>12/2/19</a:t>
+              <a:t>12/3/19</a:t>
             </a:fld>
             <a:endParaRPr lang="en-US" dirty="0"/>
           </a:p>
@@ -3189,7 +3195,7 @@
           <a:p>
             <a:fld id="{4E6EFC2C-8905-46F0-B443-CE905B76BA01}" type="datetime1">
               <a:rPr lang="en-US" smtClean="0"/>
-              <a:t>12/2/19</a:t>
+              <a:t>12/3/19</a:t>
             </a:fld>
             <a:endParaRPr lang="en-US" dirty="0"/>
           </a:p>
@@ -3726,7 +3732,7 @@
           <a:p>
             <a:fld id="{D9079DC3-C9B5-499E-9140-0DC28B7074E2}" type="datetime1">
               <a:rPr lang="en-US" smtClean="0"/>
-              <a:t>12/2/19</a:t>
+              <a:t>12/3/19</a:t>
             </a:fld>
             <a:endParaRPr lang="en-US" dirty="0"/>
           </a:p>
@@ -4608,7 +4614,7 @@
           <a:p>
             <a:fld id="{30BB33EA-E472-4D22-9C03-A9C14AA21CED}" type="datetime1">
               <a:rPr lang="en-US" smtClean="0"/>
-              <a:t>12/2/19</a:t>
+              <a:t>12/3/19</a:t>
             </a:fld>
             <a:endParaRPr lang="en-US" dirty="0"/>
           </a:p>
@@ -4778,7 +4784,7 @@
           <a:p>
             <a:fld id="{217E833E-1B6D-415F-AD29-75AE8C43BD0D}" type="datetime1">
               <a:rPr lang="en-US" smtClean="0"/>
-              <a:t>12/2/19</a:t>
+              <a:t>12/3/19</a:t>
             </a:fld>
             <a:endParaRPr lang="en-US" dirty="0"/>
           </a:p>
@@ -4962,7 +4968,7 @@
           <a:p>
             <a:fld id="{8452596F-08A7-4B70-989A-F2B1CF31E66B}" type="datetime1">
               <a:rPr lang="en-US" smtClean="0"/>
-              <a:t>12/2/19</a:t>
+              <a:t>12/3/19</a:t>
             </a:fld>
             <a:endParaRPr lang="en-US" dirty="0"/>
           </a:p>
@@ -5132,7 +5138,7 @@
           <a:p>
             <a:fld id="{73C55A3C-5767-4844-A0A3-83778C2E5409}" type="datetime1">
               <a:rPr lang="en-US" smtClean="0"/>
-              <a:t>12/2/19</a:t>
+              <a:t>12/3/19</a:t>
             </a:fld>
             <a:endParaRPr lang="en-US" dirty="0"/>
           </a:p>
@@ -5376,7 +5382,7 @@
           <a:p>
             <a:fld id="{CAE507A8-A5CF-4D38-AB86-7EDDA87A85D4}" type="datetime1">
               <a:rPr lang="en-US" smtClean="0"/>
-              <a:t>12/2/19</a:t>
+              <a:t>12/3/19</a:t>
             </a:fld>
             <a:endParaRPr lang="en-US" dirty="0"/>
           </a:p>
@@ -5618,7 +5624,7 @@
           <a:p>
             <a:fld id="{BDFCD27C-8599-43EF-BA1D-14DDC1946E06}" type="datetime1">
               <a:rPr lang="en-US" smtClean="0"/>
-              <a:t>12/2/19</a:t>
+              <a:t>12/3/19</a:t>
             </a:fld>
             <a:endParaRPr lang="en-US" dirty="0"/>
           </a:p>
@@ -6099,7 +6105,7 @@
           <a:p>
             <a:fld id="{49343D99-809A-49C0-96E5-4250D0B498EE}" type="datetime1">
               <a:rPr lang="en-US" smtClean="0"/>
-              <a:t>12/2/19</a:t>
+              <a:t>12/3/19</a:t>
             </a:fld>
             <a:endParaRPr lang="en-US" dirty="0"/>
           </a:p>
@@ -6217,7 +6223,7 @@
           <a:p>
             <a:fld id="{A143DE9B-B678-4EFB-BB7D-A4370204A0B0}" type="datetime1">
               <a:rPr lang="en-US" smtClean="0"/>
-              <a:t>12/2/19</a:t>
+              <a:t>12/3/19</a:t>
             </a:fld>
             <a:endParaRPr lang="en-US" dirty="0"/>
           </a:p>
@@ -6312,7 +6318,7 @@
           <a:p>
             <a:fld id="{E68812DA-F765-4142-A6A3-A8ED7235E082}" type="datetime1">
               <a:rPr lang="en-US" smtClean="0"/>
-              <a:t>12/2/19</a:t>
+              <a:t>12/3/19</a:t>
             </a:fld>
             <a:endParaRPr lang="en-US" dirty="0"/>
           </a:p>
@@ -6567,7 +6573,7 @@
           <a:p>
             <a:fld id="{3E0277FD-7DE6-41D4-930D-AC99F5AFE54E}" type="datetime1">
               <a:rPr lang="en-US" smtClean="0"/>
-              <a:t>12/2/19</a:t>
+              <a:t>12/3/19</a:t>
             </a:fld>
             <a:endParaRPr lang="en-US" dirty="0"/>
           </a:p>
@@ -6874,7 +6880,7 @@
           <a:p>
             <a:fld id="{9EA15526-7079-4B7B-987C-1B5FAE11A0FF}" type="datetime1">
               <a:rPr lang="en-US" smtClean="0"/>
-              <a:t>12/2/19</a:t>
+              <a:t>12/3/19</a:t>
             </a:fld>
             <a:endParaRPr lang="en-US" dirty="0"/>
           </a:p>
@@ -7109,7 +7115,7 @@
           <a:p>
             <a:fld id="{073ED0CC-082F-4160-86E5-0D6041F12778}" type="datetime1">
               <a:rPr lang="en-US" smtClean="0"/>
-              <a:t>12/2/19</a:t>
+              <a:t>12/3/19</a:t>
             </a:fld>
             <a:endParaRPr lang="en-US" dirty="0"/>
           </a:p>
@@ -8380,6 +8386,1217 @@
 </p:sld>
 </file>
 
+<file path=ppt/slides/slide14.xml><?xml version="1.0" encoding="utf-8"?>
+<p:sld xmlns:a="http://schemas.openxmlformats.org/drawingml/2006/main" xmlns:r="http://schemas.openxmlformats.org/officeDocument/2006/relationships" xmlns:p="http://schemas.openxmlformats.org/presentationml/2006/main">
+  <p:cSld>
+    <p:bg>
+      <p:bgPr>
+        <a:solidFill>
+          <a:schemeClr val="tx1"/>
+        </a:solidFill>
+        <a:effectLst/>
+      </p:bgPr>
+    </p:bg>
+    <p:spTree>
+      <p:nvGrpSpPr>
+        <p:cNvPr id="1" name=""/>
+        <p:cNvGrpSpPr/>
+        <p:nvPr/>
+      </p:nvGrpSpPr>
+      <p:grpSpPr>
+        <a:xfrm>
+          <a:off x="0" y="0"/>
+          <a:ext cx="0" cy="0"/>
+          <a:chOff x="0" y="0"/>
+          <a:chExt cx="0" cy="0"/>
+        </a:xfrm>
+      </p:grpSpPr>
+      <p:pic>
+        <p:nvPicPr>
+          <p:cNvPr id="4" name="Picture 3" descr="A screenshot of a cell phone&#10;&#10;Description automatically generated">
+            <a:extLst>
+              <a:ext uri="{FF2B5EF4-FFF2-40B4-BE49-F238E27FC236}">
+                <a16:creationId xmlns:a16="http://schemas.microsoft.com/office/drawing/2014/main" id="{E94755CC-ED4E-3748-AA21-018AD2C6EAEB}"/>
+              </a:ext>
+            </a:extLst>
+          </p:cNvPr>
+          <p:cNvPicPr/>
+          <p:nvPr/>
+        </p:nvPicPr>
+        <p:blipFill rotWithShape="1">
+          <a:blip r:embed="rId2">
+            <a:extLst>
+              <a:ext uri="{28A0092B-C50C-407E-A947-70E740481C1C}">
+                <a14:useLocalDpi xmlns:a14="http://schemas.microsoft.com/office/drawing/2010/main" val="0"/>
+              </a:ext>
+            </a:extLst>
+          </a:blip>
+          <a:srcRect t="7137"/>
+          <a:stretch/>
+        </p:blipFill>
+        <p:spPr bwMode="auto">
+          <a:xfrm>
+            <a:off x="890020" y="825536"/>
+            <a:ext cx="5315907" cy="3566582"/>
+          </a:xfrm>
+          <a:prstGeom prst="rect">
+            <a:avLst/>
+          </a:prstGeom>
+          <a:ln>
+            <a:noFill/>
+          </a:ln>
+          <a:extLst>
+            <a:ext uri="{53640926-AAD7-44D8-BBD7-CCE9431645EC}">
+              <a14:shadowObscured xmlns:a14="http://schemas.microsoft.com/office/drawing/2010/main"/>
+            </a:ext>
+          </a:extLst>
+        </p:spPr>
+      </p:pic>
+      <p:pic>
+        <p:nvPicPr>
+          <p:cNvPr id="5" name="Picture 4" descr="A screenshot of a video game&#10;&#10;Description automatically generated">
+            <a:extLst>
+              <a:ext uri="{FF2B5EF4-FFF2-40B4-BE49-F238E27FC236}">
+                <a16:creationId xmlns:a16="http://schemas.microsoft.com/office/drawing/2014/main" id="{F79168F6-87E0-7045-B7AE-2A6CFE63ED95}"/>
+              </a:ext>
+            </a:extLst>
+          </p:cNvPr>
+          <p:cNvPicPr/>
+          <p:nvPr/>
+        </p:nvPicPr>
+        <p:blipFill rotWithShape="1">
+          <a:blip r:embed="rId3">
+            <a:extLst>
+              <a:ext uri="{28A0092B-C50C-407E-A947-70E740481C1C}">
+                <a14:useLocalDpi xmlns:a14="http://schemas.microsoft.com/office/drawing/2010/main" val="0"/>
+              </a:ext>
+            </a:extLst>
+          </a:blip>
+          <a:srcRect t="6963"/>
+          <a:stretch/>
+        </p:blipFill>
+        <p:spPr>
+          <a:xfrm>
+            <a:off x="6349168" y="910676"/>
+            <a:ext cx="5103318" cy="3396303"/>
+          </a:xfrm>
+          <a:prstGeom prst="rect">
+            <a:avLst/>
+          </a:prstGeom>
+        </p:spPr>
+      </p:pic>
+      <p:sp>
+        <p:nvSpPr>
+          <p:cNvPr id="6" name="Text Box 1">
+            <a:extLst>
+              <a:ext uri="{FF2B5EF4-FFF2-40B4-BE49-F238E27FC236}">
+                <a16:creationId xmlns:a16="http://schemas.microsoft.com/office/drawing/2014/main" id="{66BBFC9B-C112-6B49-9710-FF6E616FA966}"/>
+              </a:ext>
+            </a:extLst>
+          </p:cNvPr>
+          <p:cNvSpPr txBox="1"/>
+          <p:nvPr/>
+        </p:nvSpPr>
+        <p:spPr>
+          <a:xfrm>
+            <a:off x="929390" y="4542020"/>
+            <a:ext cx="10553074" cy="1490444"/>
+          </a:xfrm>
+          <a:prstGeom prst="rect">
+            <a:avLst/>
+          </a:prstGeom>
+          <a:solidFill>
+            <a:schemeClr val="lt1"/>
+          </a:solidFill>
+          <a:ln w="6350">
+            <a:noFill/>
+          </a:ln>
+        </p:spPr>
+        <p:txBody>
+          <a:bodyPr rot="0" spcFirstLastPara="0" vert="horz" wrap="square" lIns="91440" tIns="45720" rIns="91440" bIns="45720" numCol="1" spcCol="0" rtlCol="0" fromWordArt="0" anchor="t" anchorCtr="0" forceAA="0" compatLnSpc="1">
+            <a:prstTxWarp prst="textNoShape">
+              <a:avLst/>
+            </a:prstTxWarp>
+            <a:noAutofit/>
+          </a:bodyPr>
+          <a:lstStyle/>
+          <a:p>
+            <a:pPr marL="0" marR="0" algn="just">
+              <a:spcBef>
+                <a:spcPts val="0"/>
+              </a:spcBef>
+              <a:spcAft>
+                <a:spcPts val="0"/>
+              </a:spcAft>
+            </a:pPr>
+            <a:r>
+              <a:rPr lang="en-US" sz="1400" b="1" dirty="0">
+                <a:solidFill>
+                  <a:srgbClr val="000000"/>
+                </a:solidFill>
+                <a:effectLst/>
+                <a:latin typeface="Times New Roman" panose="02020603050405020304" pitchFamily="18" charset="0"/>
+                <a:ea typeface="Times New Roman" panose="02020603050405020304" pitchFamily="18" charset="0"/>
+              </a:rPr>
+              <a:t>Figure 1: Inhibition of MAP2K1/MEK1 by Cobimetinib does not impact Hedgehog Signaling. </a:t>
+            </a:r>
+            <a:endParaRPr lang="en-US" sz="1400" dirty="0">
+              <a:effectLst/>
+              <a:latin typeface="Times New Roman" panose="02020603050405020304" pitchFamily="18" charset="0"/>
+              <a:ea typeface="Times New Roman" panose="02020603050405020304" pitchFamily="18" charset="0"/>
+            </a:endParaRPr>
+          </a:p>
+          <a:p>
+            <a:pPr marL="0" marR="0" algn="just">
+              <a:spcBef>
+                <a:spcPts val="0"/>
+              </a:spcBef>
+              <a:spcAft>
+                <a:spcPts val="0"/>
+              </a:spcAft>
+            </a:pPr>
+            <a:r>
+              <a:rPr lang="en-US" sz="1400" b="1" dirty="0">
+                <a:solidFill>
+                  <a:srgbClr val="000000"/>
+                </a:solidFill>
+                <a:effectLst/>
+                <a:latin typeface="Times New Roman" panose="02020603050405020304" pitchFamily="18" charset="0"/>
+                <a:ea typeface="Times New Roman" panose="02020603050405020304" pitchFamily="18" charset="0"/>
+              </a:rPr>
+              <a:t>A. </a:t>
+            </a:r>
+            <a:r>
+              <a:rPr lang="en-US" sz="1400" dirty="0">
+                <a:solidFill>
+                  <a:srgbClr val="000000"/>
+                </a:solidFill>
+                <a:effectLst/>
+                <a:latin typeface="Times New Roman" panose="02020603050405020304" pitchFamily="18" charset="0"/>
+                <a:ea typeface="Times New Roman" panose="02020603050405020304" pitchFamily="18" charset="0"/>
+              </a:rPr>
+              <a:t>GLI1 expression of Wild Type 3T3 Cells grown in serum starved media (SS) or serum starved with Hedgehog conditioned media (HH SS) in the presence of Cobimetinib at varying concentrations. Expression of GLI1 is normalized based on expression of housekeeping gene GAPDH. Standard error bar corresponds to technical replicates. </a:t>
+            </a:r>
+          </a:p>
+          <a:p>
+            <a:pPr marL="0" marR="0" algn="just">
+              <a:spcBef>
+                <a:spcPts val="0"/>
+              </a:spcBef>
+              <a:spcAft>
+                <a:spcPts val="0"/>
+              </a:spcAft>
+            </a:pPr>
+            <a:r>
+              <a:rPr lang="en-US" sz="1400" b="1" dirty="0">
+                <a:solidFill>
+                  <a:srgbClr val="000000"/>
+                </a:solidFill>
+                <a:effectLst/>
+                <a:latin typeface="Times New Roman" panose="02020603050405020304" pitchFamily="18" charset="0"/>
+                <a:ea typeface="Times New Roman" panose="02020603050405020304" pitchFamily="18" charset="0"/>
+              </a:rPr>
+              <a:t>B.</a:t>
+            </a:r>
+            <a:r>
+              <a:rPr lang="en-US" sz="1400" dirty="0">
+                <a:solidFill>
+                  <a:srgbClr val="000000"/>
+                </a:solidFill>
+                <a:effectLst/>
+                <a:latin typeface="Times New Roman" panose="02020603050405020304" pitchFamily="18" charset="0"/>
+                <a:ea typeface="Times New Roman" panose="02020603050405020304" pitchFamily="18" charset="0"/>
+              </a:rPr>
+              <a:t> GLI1 expression of Basal Cell Carcinoma (BCC) cells grown in serum starved media (SS) in the presence of Cobimetinib at varying concentrations. Expression of GLI1 is normalized based on expression of housekeeping gene GAPDH. Standard error bar corresponds to technical replicates.  </a:t>
+            </a:r>
+            <a:endParaRPr lang="en-US" sz="1400" dirty="0">
+              <a:effectLst/>
+              <a:latin typeface="Times New Roman" panose="02020603050405020304" pitchFamily="18" charset="0"/>
+              <a:ea typeface="Times New Roman" panose="02020603050405020304" pitchFamily="18" charset="0"/>
+            </a:endParaRPr>
+          </a:p>
+          <a:p>
+            <a:pPr marL="0" marR="0">
+              <a:spcBef>
+                <a:spcPts val="0"/>
+              </a:spcBef>
+              <a:spcAft>
+                <a:spcPts val="0"/>
+              </a:spcAft>
+            </a:pPr>
+            <a:r>
+              <a:rPr lang="en-US" sz="1400" dirty="0">
+                <a:effectLst/>
+                <a:latin typeface="Times New Roman" panose="02020603050405020304" pitchFamily="18" charset="0"/>
+                <a:ea typeface="Times New Roman" panose="02020603050405020304" pitchFamily="18" charset="0"/>
+              </a:rPr>
+              <a:t> </a:t>
+            </a:r>
+          </a:p>
+        </p:txBody>
+      </p:sp>
+      <p:sp>
+        <p:nvSpPr>
+          <p:cNvPr id="7" name="TextBox 6">
+            <a:extLst>
+              <a:ext uri="{FF2B5EF4-FFF2-40B4-BE49-F238E27FC236}">
+                <a16:creationId xmlns:a16="http://schemas.microsoft.com/office/drawing/2014/main" id="{F739DD67-14AE-9546-B864-CBF43484F18A}"/>
+              </a:ext>
+            </a:extLst>
+          </p:cNvPr>
+          <p:cNvSpPr txBox="1"/>
+          <p:nvPr/>
+        </p:nvSpPr>
+        <p:spPr>
+          <a:xfrm>
+            <a:off x="464695" y="562971"/>
+            <a:ext cx="719528" cy="369332"/>
+          </a:xfrm>
+          <a:prstGeom prst="rect">
+            <a:avLst/>
+          </a:prstGeom>
+          <a:noFill/>
+        </p:spPr>
+        <p:txBody>
+          <a:bodyPr wrap="square" rtlCol="0">
+            <a:spAutoFit/>
+          </a:bodyPr>
+          <a:lstStyle/>
+          <a:p>
+            <a:r>
+              <a:rPr lang="en-US" b="1" dirty="0">
+                <a:solidFill>
+                  <a:schemeClr val="bg1"/>
+                </a:solidFill>
+                <a:latin typeface="Times New Roman" panose="02020603050405020304" pitchFamily="18" charset="0"/>
+                <a:cs typeface="Times New Roman" panose="02020603050405020304" pitchFamily="18" charset="0"/>
+              </a:rPr>
+              <a:t>A.</a:t>
+            </a:r>
+            <a:r>
+              <a:rPr lang="en-US" dirty="0"/>
+              <a:t>. </a:t>
+            </a:r>
+          </a:p>
+        </p:txBody>
+      </p:sp>
+      <p:sp>
+        <p:nvSpPr>
+          <p:cNvPr id="8" name="TextBox 7">
+            <a:extLst>
+              <a:ext uri="{FF2B5EF4-FFF2-40B4-BE49-F238E27FC236}">
+                <a16:creationId xmlns:a16="http://schemas.microsoft.com/office/drawing/2014/main" id="{D4DBD88E-EE60-3E47-8AF6-2294B97B6C81}"/>
+              </a:ext>
+            </a:extLst>
+          </p:cNvPr>
+          <p:cNvSpPr txBox="1"/>
+          <p:nvPr/>
+        </p:nvSpPr>
+        <p:spPr>
+          <a:xfrm>
+            <a:off x="6349168" y="562971"/>
+            <a:ext cx="719528" cy="369332"/>
+          </a:xfrm>
+          <a:prstGeom prst="rect">
+            <a:avLst/>
+          </a:prstGeom>
+          <a:noFill/>
+        </p:spPr>
+        <p:txBody>
+          <a:bodyPr wrap="square" rtlCol="0">
+            <a:spAutoFit/>
+          </a:bodyPr>
+          <a:lstStyle/>
+          <a:p>
+            <a:r>
+              <a:rPr lang="en-US" b="1" dirty="0">
+                <a:solidFill>
+                  <a:schemeClr val="bg1"/>
+                </a:solidFill>
+                <a:latin typeface="Times New Roman" panose="02020603050405020304" pitchFamily="18" charset="0"/>
+                <a:cs typeface="Times New Roman" panose="02020603050405020304" pitchFamily="18" charset="0"/>
+              </a:rPr>
+              <a:t>B.</a:t>
+            </a:r>
+            <a:r>
+              <a:rPr lang="en-US" dirty="0"/>
+              <a:t>. </a:t>
+            </a:r>
+          </a:p>
+        </p:txBody>
+      </p:sp>
+    </p:spTree>
+    <p:extLst>
+      <p:ext uri="{BB962C8B-B14F-4D97-AF65-F5344CB8AC3E}">
+        <p14:creationId xmlns:p14="http://schemas.microsoft.com/office/powerpoint/2010/main" val="1580324272"/>
+      </p:ext>
+    </p:extLst>
+  </p:cSld>
+  <p:clrMapOvr>
+    <a:masterClrMapping/>
+  </p:clrMapOvr>
+</p:sld>
+</file>
+
+<file path=ppt/slides/slide15.xml><?xml version="1.0" encoding="utf-8"?>
+<p:sld xmlns:a="http://schemas.openxmlformats.org/drawingml/2006/main" xmlns:r="http://schemas.openxmlformats.org/officeDocument/2006/relationships" xmlns:p="http://schemas.openxmlformats.org/presentationml/2006/main">
+  <p:cSld>
+    <p:bg>
+      <p:bgPr>
+        <a:solidFill>
+          <a:schemeClr val="tx1"/>
+        </a:solidFill>
+        <a:effectLst/>
+      </p:bgPr>
+    </p:bg>
+    <p:spTree>
+      <p:nvGrpSpPr>
+        <p:cNvPr id="1" name=""/>
+        <p:cNvGrpSpPr/>
+        <p:nvPr/>
+      </p:nvGrpSpPr>
+      <p:grpSpPr>
+        <a:xfrm>
+          <a:off x="0" y="0"/>
+          <a:ext cx="0" cy="0"/>
+          <a:chOff x="0" y="0"/>
+          <a:chExt cx="0" cy="0"/>
+        </a:xfrm>
+      </p:grpSpPr>
+      <p:pic>
+        <p:nvPicPr>
+          <p:cNvPr id="4" name="Picture 3">
+            <a:extLst>
+              <a:ext uri="{FF2B5EF4-FFF2-40B4-BE49-F238E27FC236}">
+                <a16:creationId xmlns:a16="http://schemas.microsoft.com/office/drawing/2014/main" id="{16E9747F-084A-5B40-A0B5-BB9CAACCE065}"/>
+              </a:ext>
+            </a:extLst>
+          </p:cNvPr>
+          <p:cNvPicPr/>
+          <p:nvPr/>
+        </p:nvPicPr>
+        <p:blipFill rotWithShape="1">
+          <a:blip r:embed="rId2"/>
+          <a:srcRect l="2591" t="18160" r="2542" b="3265"/>
+          <a:stretch/>
+        </p:blipFill>
+        <p:spPr bwMode="auto">
+          <a:xfrm>
+            <a:off x="2001520" y="952182"/>
+            <a:ext cx="7923530" cy="4038918"/>
+          </a:xfrm>
+          <a:prstGeom prst="rect">
+            <a:avLst/>
+          </a:prstGeom>
+          <a:ln>
+            <a:noFill/>
+          </a:ln>
+          <a:extLst>
+            <a:ext uri="{53640926-AAD7-44D8-BBD7-CCE9431645EC}">
+              <a14:shadowObscured xmlns:a14="http://schemas.microsoft.com/office/drawing/2010/main"/>
+            </a:ext>
+          </a:extLst>
+        </p:spPr>
+      </p:pic>
+      <p:sp>
+        <p:nvSpPr>
+          <p:cNvPr id="5" name="Text Box 13">
+            <a:extLst>
+              <a:ext uri="{FF2B5EF4-FFF2-40B4-BE49-F238E27FC236}">
+                <a16:creationId xmlns:a16="http://schemas.microsoft.com/office/drawing/2014/main" id="{40D93C64-4D0E-2446-B998-4C13271B0ABA}"/>
+              </a:ext>
+            </a:extLst>
+          </p:cNvPr>
+          <p:cNvSpPr txBox="1"/>
+          <p:nvPr/>
+        </p:nvSpPr>
+        <p:spPr>
+          <a:xfrm>
+            <a:off x="2266950" y="4991100"/>
+            <a:ext cx="8188960" cy="914718"/>
+          </a:xfrm>
+          <a:prstGeom prst="rect">
+            <a:avLst/>
+          </a:prstGeom>
+          <a:solidFill>
+            <a:schemeClr val="lt1"/>
+          </a:solidFill>
+          <a:ln w="6350">
+            <a:noFill/>
+          </a:ln>
+        </p:spPr>
+        <p:txBody>
+          <a:bodyPr rot="0" spcFirstLastPara="0" vert="horz" wrap="square" lIns="91440" tIns="45720" rIns="91440" bIns="45720" numCol="1" spcCol="0" rtlCol="0" fromWordArt="0" anchor="t" anchorCtr="0" forceAA="0" compatLnSpc="1">
+            <a:prstTxWarp prst="textNoShape">
+              <a:avLst/>
+            </a:prstTxWarp>
+            <a:noAutofit/>
+          </a:bodyPr>
+          <a:lstStyle/>
+          <a:p>
+            <a:pPr marL="0" marR="0">
+              <a:spcBef>
+                <a:spcPts val="0"/>
+              </a:spcBef>
+              <a:spcAft>
+                <a:spcPts val="0"/>
+              </a:spcAft>
+            </a:pPr>
+            <a:r>
+              <a:rPr lang="en-US" sz="1400" b="1" dirty="0">
+                <a:solidFill>
+                  <a:srgbClr val="000000"/>
+                </a:solidFill>
+                <a:effectLst/>
+                <a:latin typeface="Times New Roman" panose="02020603050405020304" pitchFamily="18" charset="0"/>
+                <a:ea typeface="Times New Roman" panose="02020603050405020304" pitchFamily="18" charset="0"/>
+              </a:rPr>
+              <a:t>Figure 2: Treatment of BCC cells with MAP2K1/MEK1 inhibitor Cobimetinib only affects cell proliferation at high concentrations. </a:t>
+            </a:r>
+            <a:r>
+              <a:rPr lang="en-US" sz="1400" dirty="0">
+                <a:solidFill>
+                  <a:srgbClr val="000000"/>
+                </a:solidFill>
+                <a:effectLst/>
+                <a:latin typeface="Times New Roman" panose="02020603050405020304" pitchFamily="18" charset="0"/>
+                <a:ea typeface="Times New Roman" panose="02020603050405020304" pitchFamily="18" charset="0"/>
+              </a:rPr>
+              <a:t>Measurement of the absorbance at 570 nM as a means of determining cell viability through an MTT assay. BCC cells were treated with increasing concentrations of inhibitor drug over the course of 6 days. </a:t>
+            </a:r>
+            <a:endParaRPr lang="en-US" sz="1400" dirty="0">
+              <a:effectLst/>
+              <a:latin typeface="Times New Roman" panose="02020603050405020304" pitchFamily="18" charset="0"/>
+              <a:ea typeface="Times New Roman" panose="02020603050405020304" pitchFamily="18" charset="0"/>
+            </a:endParaRPr>
+          </a:p>
+          <a:p>
+            <a:pPr marL="0" marR="0">
+              <a:spcBef>
+                <a:spcPts val="0"/>
+              </a:spcBef>
+              <a:spcAft>
+                <a:spcPts val="0"/>
+              </a:spcAft>
+            </a:pPr>
+            <a:r>
+              <a:rPr lang="en-US" sz="1200" dirty="0">
+                <a:effectLst/>
+                <a:latin typeface="Times New Roman" panose="02020603050405020304" pitchFamily="18" charset="0"/>
+                <a:ea typeface="Times New Roman" panose="02020603050405020304" pitchFamily="18" charset="0"/>
+              </a:rPr>
+              <a:t> </a:t>
+            </a:r>
+          </a:p>
+        </p:txBody>
+      </p:sp>
+    </p:spTree>
+    <p:extLst>
+      <p:ext uri="{BB962C8B-B14F-4D97-AF65-F5344CB8AC3E}">
+        <p14:creationId xmlns:p14="http://schemas.microsoft.com/office/powerpoint/2010/main" val="1935928691"/>
+      </p:ext>
+    </p:extLst>
+  </p:cSld>
+  <p:clrMapOvr>
+    <a:masterClrMapping/>
+  </p:clrMapOvr>
+</p:sld>
+</file>
+
+<file path=ppt/slides/slide16.xml><?xml version="1.0" encoding="utf-8"?>
+<p:sld xmlns:a="http://schemas.openxmlformats.org/drawingml/2006/main" xmlns:r="http://schemas.openxmlformats.org/officeDocument/2006/relationships" xmlns:p="http://schemas.openxmlformats.org/presentationml/2006/main">
+  <p:cSld>
+    <p:bg>
+      <p:bgPr>
+        <a:solidFill>
+          <a:schemeClr val="tx1"/>
+        </a:solidFill>
+        <a:effectLst/>
+      </p:bgPr>
+    </p:bg>
+    <p:spTree>
+      <p:nvGrpSpPr>
+        <p:cNvPr id="1" name=""/>
+        <p:cNvGrpSpPr/>
+        <p:nvPr/>
+      </p:nvGrpSpPr>
+      <p:grpSpPr>
+        <a:xfrm>
+          <a:off x="0" y="0"/>
+          <a:ext cx="0" cy="0"/>
+          <a:chOff x="0" y="0"/>
+          <a:chExt cx="0" cy="0"/>
+        </a:xfrm>
+      </p:grpSpPr>
+      <p:pic>
+        <p:nvPicPr>
+          <p:cNvPr id="2" name="Picture 1" descr="A screenshot of a cell phone&#10;&#10;Description automatically generated">
+            <a:extLst>
+              <a:ext uri="{FF2B5EF4-FFF2-40B4-BE49-F238E27FC236}">
+                <a16:creationId xmlns:a16="http://schemas.microsoft.com/office/drawing/2014/main" id="{BBD42F0C-6837-B14F-95F0-ED2150FB5E32}"/>
+              </a:ext>
+            </a:extLst>
+          </p:cNvPr>
+          <p:cNvPicPr/>
+          <p:nvPr/>
+        </p:nvPicPr>
+        <p:blipFill rotWithShape="1">
+          <a:blip r:embed="rId2">
+            <a:extLst>
+              <a:ext uri="{28A0092B-C50C-407E-A947-70E740481C1C}">
+                <a14:useLocalDpi xmlns:a14="http://schemas.microsoft.com/office/drawing/2010/main" val="0"/>
+              </a:ext>
+            </a:extLst>
+          </a:blip>
+          <a:srcRect t="7232"/>
+          <a:stretch/>
+        </p:blipFill>
+        <p:spPr bwMode="auto">
+          <a:xfrm>
+            <a:off x="858520" y="648652"/>
+            <a:ext cx="5599430" cy="4323398"/>
+          </a:xfrm>
+          <a:prstGeom prst="rect">
+            <a:avLst/>
+          </a:prstGeom>
+          <a:ln>
+            <a:noFill/>
+          </a:ln>
+          <a:extLst>
+            <a:ext uri="{53640926-AAD7-44D8-BBD7-CCE9431645EC}">
+              <a14:shadowObscured xmlns:a14="http://schemas.microsoft.com/office/drawing/2010/main"/>
+            </a:ext>
+          </a:extLst>
+        </p:spPr>
+      </p:pic>
+      <p:pic>
+        <p:nvPicPr>
+          <p:cNvPr id="3" name="Picture 2" descr="A screenshot of a cell phone&#10;&#10;Description automatically generated">
+            <a:extLst>
+              <a:ext uri="{FF2B5EF4-FFF2-40B4-BE49-F238E27FC236}">
+                <a16:creationId xmlns:a16="http://schemas.microsoft.com/office/drawing/2014/main" id="{25EC163E-9129-7349-8BA9-C088EAD0136E}"/>
+              </a:ext>
+            </a:extLst>
+          </p:cNvPr>
+          <p:cNvPicPr/>
+          <p:nvPr/>
+        </p:nvPicPr>
+        <p:blipFill rotWithShape="1">
+          <a:blip r:embed="rId3">
+            <a:extLst>
+              <a:ext uri="{28A0092B-C50C-407E-A947-70E740481C1C}">
+                <a14:useLocalDpi xmlns:a14="http://schemas.microsoft.com/office/drawing/2010/main" val="0"/>
+              </a:ext>
+            </a:extLst>
+          </a:blip>
+          <a:srcRect t="6008"/>
+          <a:stretch/>
+        </p:blipFill>
+        <p:spPr bwMode="auto">
+          <a:xfrm>
+            <a:off x="6858000" y="896302"/>
+            <a:ext cx="4953000" cy="3828098"/>
+          </a:xfrm>
+          <a:prstGeom prst="rect">
+            <a:avLst/>
+          </a:prstGeom>
+          <a:ln>
+            <a:noFill/>
+          </a:ln>
+          <a:extLst>
+            <a:ext uri="{53640926-AAD7-44D8-BBD7-CCE9431645EC}">
+              <a14:shadowObscured xmlns:a14="http://schemas.microsoft.com/office/drawing/2010/main"/>
+            </a:ext>
+          </a:extLst>
+        </p:spPr>
+      </p:pic>
+      <p:sp>
+        <p:nvSpPr>
+          <p:cNvPr id="4" name="TextBox 3">
+            <a:extLst>
+              <a:ext uri="{FF2B5EF4-FFF2-40B4-BE49-F238E27FC236}">
+                <a16:creationId xmlns:a16="http://schemas.microsoft.com/office/drawing/2014/main" id="{13960199-3AEC-634F-8145-B323273F1C5B}"/>
+              </a:ext>
+            </a:extLst>
+          </p:cNvPr>
+          <p:cNvSpPr txBox="1"/>
+          <p:nvPr/>
+        </p:nvSpPr>
+        <p:spPr>
+          <a:xfrm>
+            <a:off x="464695" y="558662"/>
+            <a:ext cx="719528" cy="369332"/>
+          </a:xfrm>
+          <a:prstGeom prst="rect">
+            <a:avLst/>
+          </a:prstGeom>
+          <a:noFill/>
+        </p:spPr>
+        <p:txBody>
+          <a:bodyPr wrap="square" rtlCol="0">
+            <a:spAutoFit/>
+          </a:bodyPr>
+          <a:lstStyle/>
+          <a:p>
+            <a:r>
+              <a:rPr lang="en-US" b="1" dirty="0">
+                <a:solidFill>
+                  <a:schemeClr val="bg1"/>
+                </a:solidFill>
+                <a:latin typeface="Times New Roman" panose="02020603050405020304" pitchFamily="18" charset="0"/>
+                <a:cs typeface="Times New Roman" panose="02020603050405020304" pitchFamily="18" charset="0"/>
+              </a:rPr>
+              <a:t>A.</a:t>
+            </a:r>
+            <a:r>
+              <a:rPr lang="en-US" dirty="0"/>
+              <a:t>. </a:t>
+            </a:r>
+          </a:p>
+        </p:txBody>
+      </p:sp>
+      <p:sp>
+        <p:nvSpPr>
+          <p:cNvPr id="5" name="TextBox 4">
+            <a:extLst>
+              <a:ext uri="{FF2B5EF4-FFF2-40B4-BE49-F238E27FC236}">
+                <a16:creationId xmlns:a16="http://schemas.microsoft.com/office/drawing/2014/main" id="{4DAFA5FC-9E0F-2644-85EB-CB1DCEB23F7B}"/>
+              </a:ext>
+            </a:extLst>
+          </p:cNvPr>
+          <p:cNvSpPr txBox="1"/>
+          <p:nvPr/>
+        </p:nvSpPr>
+        <p:spPr>
+          <a:xfrm>
+            <a:off x="6851775" y="558662"/>
+            <a:ext cx="719528" cy="369332"/>
+          </a:xfrm>
+          <a:prstGeom prst="rect">
+            <a:avLst/>
+          </a:prstGeom>
+          <a:noFill/>
+        </p:spPr>
+        <p:txBody>
+          <a:bodyPr wrap="square" rtlCol="0">
+            <a:spAutoFit/>
+          </a:bodyPr>
+          <a:lstStyle/>
+          <a:p>
+            <a:r>
+              <a:rPr lang="en-US" b="1" dirty="0">
+                <a:solidFill>
+                  <a:schemeClr val="bg1"/>
+                </a:solidFill>
+                <a:latin typeface="Times New Roman" panose="02020603050405020304" pitchFamily="18" charset="0"/>
+                <a:cs typeface="Times New Roman" panose="02020603050405020304" pitchFamily="18" charset="0"/>
+              </a:rPr>
+              <a:t>B.</a:t>
+            </a:r>
+            <a:r>
+              <a:rPr lang="en-US" dirty="0"/>
+              <a:t>. </a:t>
+            </a:r>
+          </a:p>
+        </p:txBody>
+      </p:sp>
+      <p:sp>
+        <p:nvSpPr>
+          <p:cNvPr id="6" name="Text Box 14">
+            <a:extLst>
+              <a:ext uri="{FF2B5EF4-FFF2-40B4-BE49-F238E27FC236}">
+                <a16:creationId xmlns:a16="http://schemas.microsoft.com/office/drawing/2014/main" id="{C923DD2B-2BA7-A248-9F55-659A8C07531F}"/>
+              </a:ext>
+            </a:extLst>
+          </p:cNvPr>
+          <p:cNvSpPr txBox="1"/>
+          <p:nvPr/>
+        </p:nvSpPr>
+        <p:spPr>
+          <a:xfrm>
+            <a:off x="824459" y="5062040"/>
+            <a:ext cx="11100840" cy="1595459"/>
+          </a:xfrm>
+          <a:prstGeom prst="rect">
+            <a:avLst/>
+          </a:prstGeom>
+          <a:solidFill>
+            <a:schemeClr val="lt1"/>
+          </a:solidFill>
+          <a:ln w="6350">
+            <a:noFill/>
+          </a:ln>
+        </p:spPr>
+        <p:txBody>
+          <a:bodyPr rot="0" spcFirstLastPara="0" vert="horz" wrap="square" lIns="91440" tIns="45720" rIns="91440" bIns="45720" numCol="1" spcCol="0" rtlCol="0" fromWordArt="0" anchor="t" anchorCtr="0" forceAA="0" compatLnSpc="1">
+            <a:prstTxWarp prst="textNoShape">
+              <a:avLst/>
+            </a:prstTxWarp>
+            <a:noAutofit/>
+          </a:bodyPr>
+          <a:lstStyle/>
+          <a:p>
+            <a:pPr marL="0" marR="0">
+              <a:spcBef>
+                <a:spcPts val="0"/>
+              </a:spcBef>
+              <a:spcAft>
+                <a:spcPts val="0"/>
+              </a:spcAft>
+            </a:pPr>
+            <a:r>
+              <a:rPr lang="en-US" sz="1400" b="1" dirty="0">
+                <a:solidFill>
+                  <a:srgbClr val="000000"/>
+                </a:solidFill>
+                <a:effectLst/>
+                <a:latin typeface="Times New Roman" panose="02020603050405020304" pitchFamily="18" charset="0"/>
+                <a:ea typeface="Times New Roman" panose="02020603050405020304" pitchFamily="18" charset="0"/>
+              </a:rPr>
+              <a:t>Figure 3: Inhibition of PDHK by Dichloroacetic Acid does not impact Hedgehog Signaling. </a:t>
+            </a:r>
+            <a:endParaRPr lang="en-US" sz="1400" dirty="0">
+              <a:effectLst/>
+              <a:latin typeface="Times New Roman" panose="02020603050405020304" pitchFamily="18" charset="0"/>
+              <a:ea typeface="Times New Roman" panose="02020603050405020304" pitchFamily="18" charset="0"/>
+            </a:endParaRPr>
+          </a:p>
+          <a:p>
+            <a:pPr marL="0" marR="0">
+              <a:spcBef>
+                <a:spcPts val="0"/>
+              </a:spcBef>
+              <a:spcAft>
+                <a:spcPts val="0"/>
+              </a:spcAft>
+            </a:pPr>
+            <a:r>
+              <a:rPr lang="en-US" sz="1400" b="1" dirty="0">
+                <a:solidFill>
+                  <a:srgbClr val="000000"/>
+                </a:solidFill>
+                <a:effectLst/>
+                <a:latin typeface="Times New Roman" panose="02020603050405020304" pitchFamily="18" charset="0"/>
+                <a:ea typeface="Times New Roman" panose="02020603050405020304" pitchFamily="18" charset="0"/>
+              </a:rPr>
+              <a:t>A. </a:t>
+            </a:r>
+            <a:r>
+              <a:rPr lang="en-US" sz="1400" dirty="0">
+                <a:solidFill>
+                  <a:srgbClr val="000000"/>
+                </a:solidFill>
+                <a:effectLst/>
+                <a:latin typeface="Times New Roman" panose="02020603050405020304" pitchFamily="18" charset="0"/>
+                <a:ea typeface="Times New Roman" panose="02020603050405020304" pitchFamily="18" charset="0"/>
+              </a:rPr>
+              <a:t>GLI1 expression of Wild Type 3T3 Cells grown in serum starved media (SS) or serum starved with Hedgehog conditioned media (HH SS) in the presence of Dichloroacetic acid at varying concentrations. Expression of GLI1 is normalized based on expression of housekeeping gene GAPDH. Standard error bar corresponds to technical replicates. </a:t>
+            </a:r>
+          </a:p>
+          <a:p>
+            <a:pPr marL="0" marR="0">
+              <a:spcBef>
+                <a:spcPts val="0"/>
+              </a:spcBef>
+              <a:spcAft>
+                <a:spcPts val="0"/>
+              </a:spcAft>
+            </a:pPr>
+            <a:r>
+              <a:rPr lang="en-US" sz="1400" b="1" dirty="0">
+                <a:solidFill>
+                  <a:srgbClr val="000000"/>
+                </a:solidFill>
+                <a:effectLst/>
+                <a:latin typeface="Times New Roman" panose="02020603050405020304" pitchFamily="18" charset="0"/>
+                <a:ea typeface="Times New Roman" panose="02020603050405020304" pitchFamily="18" charset="0"/>
+              </a:rPr>
+              <a:t>B.</a:t>
+            </a:r>
+            <a:r>
+              <a:rPr lang="en-US" sz="1400" dirty="0">
+                <a:solidFill>
+                  <a:srgbClr val="000000"/>
+                </a:solidFill>
+                <a:effectLst/>
+                <a:latin typeface="Times New Roman" panose="02020603050405020304" pitchFamily="18" charset="0"/>
+                <a:ea typeface="Times New Roman" panose="02020603050405020304" pitchFamily="18" charset="0"/>
+              </a:rPr>
+              <a:t> GLI1 expression of Basal Cell Carcinoma (BCC) cells grown in serum starved media (SS) in the presence of Dichloroacetic acid at varying concentrations. Expression of GLI1 is normalized based on expression of housekeeping gene GAPDH. Standard error bar corresponds to technical replicates.     </a:t>
+            </a:r>
+            <a:endParaRPr lang="en-US" sz="1400" dirty="0">
+              <a:effectLst/>
+              <a:latin typeface="Times New Roman" panose="02020603050405020304" pitchFamily="18" charset="0"/>
+              <a:ea typeface="Times New Roman" panose="02020603050405020304" pitchFamily="18" charset="0"/>
+            </a:endParaRPr>
+          </a:p>
+          <a:p>
+            <a:pPr marL="0" marR="0">
+              <a:spcBef>
+                <a:spcPts val="0"/>
+              </a:spcBef>
+              <a:spcAft>
+                <a:spcPts val="0"/>
+              </a:spcAft>
+            </a:pPr>
+            <a:r>
+              <a:rPr lang="en-US" sz="1200" dirty="0">
+                <a:effectLst/>
+                <a:latin typeface="Times New Roman" panose="02020603050405020304" pitchFamily="18" charset="0"/>
+                <a:ea typeface="Times New Roman" panose="02020603050405020304" pitchFamily="18" charset="0"/>
+              </a:rPr>
+              <a:t> </a:t>
+            </a:r>
+          </a:p>
+        </p:txBody>
+      </p:sp>
+    </p:spTree>
+    <p:extLst>
+      <p:ext uri="{BB962C8B-B14F-4D97-AF65-F5344CB8AC3E}">
+        <p14:creationId xmlns:p14="http://schemas.microsoft.com/office/powerpoint/2010/main" val="2380561672"/>
+      </p:ext>
+    </p:extLst>
+  </p:cSld>
+  <p:clrMapOvr>
+    <a:masterClrMapping/>
+  </p:clrMapOvr>
+</p:sld>
+</file>
+
+<file path=ppt/slides/slide17.xml><?xml version="1.0" encoding="utf-8"?>
+<p:sld xmlns:a="http://schemas.openxmlformats.org/drawingml/2006/main" xmlns:r="http://schemas.openxmlformats.org/officeDocument/2006/relationships" xmlns:p="http://schemas.openxmlformats.org/presentationml/2006/main">
+  <p:cSld>
+    <p:bg>
+      <p:bgPr>
+        <a:solidFill>
+          <a:schemeClr val="tx1"/>
+        </a:solidFill>
+        <a:effectLst/>
+      </p:bgPr>
+    </p:bg>
+    <p:spTree>
+      <p:nvGrpSpPr>
+        <p:cNvPr id="1" name=""/>
+        <p:cNvGrpSpPr/>
+        <p:nvPr/>
+      </p:nvGrpSpPr>
+      <p:grpSpPr>
+        <a:xfrm>
+          <a:off x="0" y="0"/>
+          <a:ext cx="0" cy="0"/>
+          <a:chOff x="0" y="0"/>
+          <a:chExt cx="0" cy="0"/>
+        </a:xfrm>
+      </p:grpSpPr>
+      <p:pic>
+        <p:nvPicPr>
+          <p:cNvPr id="2" name="Picture 1">
+            <a:extLst>
+              <a:ext uri="{FF2B5EF4-FFF2-40B4-BE49-F238E27FC236}">
+                <a16:creationId xmlns:a16="http://schemas.microsoft.com/office/drawing/2014/main" id="{2F68FB62-34DF-AF4D-AB50-7833B5C19371}"/>
+              </a:ext>
+            </a:extLst>
+          </p:cNvPr>
+          <p:cNvPicPr/>
+          <p:nvPr/>
+        </p:nvPicPr>
+        <p:blipFill rotWithShape="1">
+          <a:blip r:embed="rId2"/>
+          <a:srcRect l="2454" t="22962" r="4262" b="3025"/>
+          <a:stretch/>
+        </p:blipFill>
+        <p:spPr bwMode="auto">
+          <a:xfrm>
+            <a:off x="1638300" y="666750"/>
+            <a:ext cx="8267700" cy="4648200"/>
+          </a:xfrm>
+          <a:prstGeom prst="rect">
+            <a:avLst/>
+          </a:prstGeom>
+          <a:ln>
+            <a:noFill/>
+          </a:ln>
+          <a:extLst>
+            <a:ext uri="{53640926-AAD7-44D8-BBD7-CCE9431645EC}">
+              <a14:shadowObscured xmlns:a14="http://schemas.microsoft.com/office/drawing/2010/main"/>
+            </a:ext>
+          </a:extLst>
+        </p:spPr>
+      </p:pic>
+      <p:sp>
+        <p:nvSpPr>
+          <p:cNvPr id="3" name="Text Box 15">
+            <a:extLst>
+              <a:ext uri="{FF2B5EF4-FFF2-40B4-BE49-F238E27FC236}">
+                <a16:creationId xmlns:a16="http://schemas.microsoft.com/office/drawing/2014/main" id="{795F7E58-5C34-BA49-8A9A-CBF121621EEF}"/>
+              </a:ext>
+            </a:extLst>
+          </p:cNvPr>
+          <p:cNvSpPr txBox="1"/>
+          <p:nvPr/>
+        </p:nvSpPr>
+        <p:spPr>
+          <a:xfrm>
+            <a:off x="1905000" y="5314950"/>
+            <a:ext cx="8915400" cy="1009650"/>
+          </a:xfrm>
+          <a:prstGeom prst="rect">
+            <a:avLst/>
+          </a:prstGeom>
+          <a:solidFill>
+            <a:schemeClr val="lt1"/>
+          </a:solidFill>
+          <a:ln w="6350">
+            <a:noFill/>
+          </a:ln>
+        </p:spPr>
+        <p:txBody>
+          <a:bodyPr rot="0" spcFirstLastPara="0" vert="horz" wrap="square" lIns="91440" tIns="45720" rIns="91440" bIns="45720" numCol="1" spcCol="0" rtlCol="0" fromWordArt="0" anchor="t" anchorCtr="0" forceAA="0" compatLnSpc="1">
+            <a:prstTxWarp prst="textNoShape">
+              <a:avLst/>
+            </a:prstTxWarp>
+            <a:noAutofit/>
+          </a:bodyPr>
+          <a:lstStyle/>
+          <a:p>
+            <a:pPr marL="0" marR="0">
+              <a:spcBef>
+                <a:spcPts val="0"/>
+              </a:spcBef>
+              <a:spcAft>
+                <a:spcPts val="0"/>
+              </a:spcAft>
+            </a:pPr>
+            <a:r>
+              <a:rPr lang="en-US" sz="1400" b="1" dirty="0">
+                <a:solidFill>
+                  <a:srgbClr val="000000"/>
+                </a:solidFill>
+                <a:effectLst/>
+                <a:latin typeface="Times New Roman" panose="02020603050405020304" pitchFamily="18" charset="0"/>
+                <a:ea typeface="Times New Roman" panose="02020603050405020304" pitchFamily="18" charset="0"/>
+              </a:rPr>
+              <a:t>Figure 4: Treatment of BCC cells with PDHK inhibitor Dichloroacetic Acid does not affect cell survival. </a:t>
+            </a:r>
+            <a:r>
+              <a:rPr lang="en-US" sz="1400" dirty="0">
+                <a:solidFill>
+                  <a:srgbClr val="000000"/>
+                </a:solidFill>
+                <a:effectLst/>
+                <a:latin typeface="Times New Roman" panose="02020603050405020304" pitchFamily="18" charset="0"/>
+                <a:ea typeface="Times New Roman" panose="02020603050405020304" pitchFamily="18" charset="0"/>
+              </a:rPr>
+              <a:t>Measurement of the absorbance at 570 nM as a means of determining cell viability through an MTT assay. BCC cells were treated with increasing concentrations of inhibitor drug Dichloroacetic Acid  over the course of 6 days. </a:t>
+            </a:r>
+            <a:endParaRPr lang="en-US" sz="1400" dirty="0">
+              <a:effectLst/>
+              <a:latin typeface="Times New Roman" panose="02020603050405020304" pitchFamily="18" charset="0"/>
+              <a:ea typeface="Times New Roman" panose="02020603050405020304" pitchFamily="18" charset="0"/>
+            </a:endParaRPr>
+          </a:p>
+          <a:p>
+            <a:pPr marL="0" marR="0">
+              <a:spcBef>
+                <a:spcPts val="0"/>
+              </a:spcBef>
+              <a:spcAft>
+                <a:spcPts val="0"/>
+              </a:spcAft>
+            </a:pPr>
+            <a:r>
+              <a:rPr lang="en-US" sz="1200" dirty="0">
+                <a:effectLst/>
+                <a:latin typeface="Times New Roman" panose="02020603050405020304" pitchFamily="18" charset="0"/>
+                <a:ea typeface="Times New Roman" panose="02020603050405020304" pitchFamily="18" charset="0"/>
+              </a:rPr>
+              <a:t> </a:t>
+            </a:r>
+          </a:p>
+        </p:txBody>
+      </p:sp>
+    </p:spTree>
+    <p:extLst>
+      <p:ext uri="{BB962C8B-B14F-4D97-AF65-F5344CB8AC3E}">
+        <p14:creationId xmlns:p14="http://schemas.microsoft.com/office/powerpoint/2010/main" val="2727424733"/>
+      </p:ext>
+    </p:extLst>
+  </p:cSld>
+  <p:clrMapOvr>
+    <a:masterClrMapping/>
+  </p:clrMapOvr>
+</p:sld>
+</file>
+
+<file path=ppt/slides/slide18.xml><?xml version="1.0" encoding="utf-8"?>
+<p:sld xmlns:a="http://schemas.openxmlformats.org/drawingml/2006/main" xmlns:r="http://schemas.openxmlformats.org/officeDocument/2006/relationships" xmlns:p="http://schemas.openxmlformats.org/presentationml/2006/main">
+  <p:cSld>
+    <p:bg>
+      <p:bgPr>
+        <a:solidFill>
+          <a:schemeClr val="tx1"/>
+        </a:solidFill>
+        <a:effectLst/>
+      </p:bgPr>
+    </p:bg>
+    <p:spTree>
+      <p:nvGrpSpPr>
+        <p:cNvPr id="1" name=""/>
+        <p:cNvGrpSpPr/>
+        <p:nvPr/>
+      </p:nvGrpSpPr>
+      <p:grpSpPr>
+        <a:xfrm>
+          <a:off x="0" y="0"/>
+          <a:ext cx="0" cy="0"/>
+          <a:chOff x="0" y="0"/>
+          <a:chExt cx="0" cy="0"/>
+        </a:xfrm>
+      </p:grpSpPr>
+    </p:spTree>
+    <p:extLst>
+      <p:ext uri="{BB962C8B-B14F-4D97-AF65-F5344CB8AC3E}">
+        <p14:creationId xmlns:p14="http://schemas.microsoft.com/office/powerpoint/2010/main" val="194610287"/>
+      </p:ext>
+    </p:extLst>
+  </p:cSld>
+  <p:clrMapOvr>
+    <a:masterClrMapping/>
+  </p:clrMapOvr>
+</p:sld>
+</file>
+
+<file path=ppt/slides/slide19.xml><?xml version="1.0" encoding="utf-8"?>
+<p:sld xmlns:a="http://schemas.openxmlformats.org/drawingml/2006/main" xmlns:r="http://schemas.openxmlformats.org/officeDocument/2006/relationships" xmlns:p="http://schemas.openxmlformats.org/presentationml/2006/main">
+  <p:cSld>
+    <p:bg>
+      <p:bgPr>
+        <a:solidFill>
+          <a:schemeClr val="tx1"/>
+        </a:solidFill>
+        <a:effectLst/>
+      </p:bgPr>
+    </p:bg>
+    <p:spTree>
+      <p:nvGrpSpPr>
+        <p:cNvPr id="1" name=""/>
+        <p:cNvGrpSpPr/>
+        <p:nvPr/>
+      </p:nvGrpSpPr>
+      <p:grpSpPr>
+        <a:xfrm>
+          <a:off x="0" y="0"/>
+          <a:ext cx="0" cy="0"/>
+          <a:chOff x="0" y="0"/>
+          <a:chExt cx="0" cy="0"/>
+        </a:xfrm>
+      </p:grpSpPr>
+      <p:pic>
+        <p:nvPicPr>
+          <p:cNvPr id="2" name="Picture 1">
+            <a:extLst>
+              <a:ext uri="{FF2B5EF4-FFF2-40B4-BE49-F238E27FC236}">
+                <a16:creationId xmlns:a16="http://schemas.microsoft.com/office/drawing/2014/main" id="{AB36B174-E8E9-EC47-8EDB-9811C39CFDD0}"/>
+              </a:ext>
+            </a:extLst>
+          </p:cNvPr>
+          <p:cNvPicPr/>
+          <p:nvPr/>
+        </p:nvPicPr>
+        <p:blipFill rotWithShape="1">
+          <a:blip r:embed="rId2"/>
+          <a:srcRect l="2654" t="21381" r="2025" b="3247"/>
+          <a:stretch/>
+        </p:blipFill>
+        <p:spPr bwMode="auto">
+          <a:xfrm>
+            <a:off x="2105890" y="609600"/>
+            <a:ext cx="7980219" cy="4571999"/>
+          </a:xfrm>
+          <a:prstGeom prst="rect">
+            <a:avLst/>
+          </a:prstGeom>
+          <a:ln>
+            <a:noFill/>
+          </a:ln>
+          <a:extLst>
+            <a:ext uri="{53640926-AAD7-44D8-BBD7-CCE9431645EC}">
+              <a14:shadowObscured xmlns:a14="http://schemas.microsoft.com/office/drawing/2010/main"/>
+            </a:ext>
+          </a:extLst>
+        </p:spPr>
+      </p:pic>
+      <p:sp>
+        <p:nvSpPr>
+          <p:cNvPr id="3" name="TextBox 2">
+            <a:extLst>
+              <a:ext uri="{FF2B5EF4-FFF2-40B4-BE49-F238E27FC236}">
+                <a16:creationId xmlns:a16="http://schemas.microsoft.com/office/drawing/2014/main" id="{89A4CB6C-965A-634F-A5F0-9DCAA06A5BFA}"/>
+              </a:ext>
+            </a:extLst>
+          </p:cNvPr>
+          <p:cNvSpPr txBox="1"/>
+          <p:nvPr/>
+        </p:nvSpPr>
+        <p:spPr>
+          <a:xfrm>
+            <a:off x="2105890" y="5442227"/>
+            <a:ext cx="8728364" cy="1415772"/>
+          </a:xfrm>
+          <a:prstGeom prst="rect">
+            <a:avLst/>
+          </a:prstGeom>
+          <a:noFill/>
+        </p:spPr>
+        <p:txBody>
+          <a:bodyPr wrap="square" rtlCol="0">
+            <a:spAutoFit/>
+          </a:bodyPr>
+          <a:lstStyle/>
+          <a:p>
+            <a:r>
+              <a:rPr lang="en-US" sz="1600" b="1" dirty="0">
+                <a:solidFill>
+                  <a:schemeClr val="bg1"/>
+                </a:solidFill>
+                <a:latin typeface="Times New Roman" panose="02020603050405020304" pitchFamily="18" charset="0"/>
+                <a:cs typeface="Times New Roman" panose="02020603050405020304" pitchFamily="18" charset="0"/>
+              </a:rPr>
+              <a:t>Figure 6: Treatment of BCC cells with NEK1 Inhibitor Zinc05007751does not affect cell survival. </a:t>
+            </a:r>
+            <a:r>
+              <a:rPr lang="en-US" sz="1600" dirty="0">
+                <a:solidFill>
+                  <a:schemeClr val="bg1"/>
+                </a:solidFill>
+                <a:latin typeface="Times New Roman" panose="02020603050405020304" pitchFamily="18" charset="0"/>
+                <a:cs typeface="Times New Roman" panose="02020603050405020304" pitchFamily="18" charset="0"/>
+              </a:rPr>
+              <a:t>Measurement of the absorbance at 570 nM as a means of determining cell viability through an MTT assay. BCC cells were treated with increasing concentrations of inhibitor </a:t>
+            </a:r>
+            <a:r>
+              <a:rPr lang="en-US" dirty="0"/>
+              <a:t>drug over the course of 6 days. </a:t>
+            </a:r>
+          </a:p>
+          <a:p>
+            <a:endParaRPr lang="en-US" dirty="0"/>
+          </a:p>
+        </p:txBody>
+      </p:sp>
+    </p:spTree>
+    <p:extLst>
+      <p:ext uri="{BB962C8B-B14F-4D97-AF65-F5344CB8AC3E}">
+        <p14:creationId xmlns:p14="http://schemas.microsoft.com/office/powerpoint/2010/main" val="541699489"/>
+      </p:ext>
+    </p:extLst>
+  </p:cSld>
+  <p:clrMapOvr>
+    <a:masterClrMapping/>
+  </p:clrMapOvr>
+</p:sld>
+</file>
+
 <file path=ppt/slides/slide2.xml><?xml version="1.0" encoding="utf-8"?>
 <p:sld xmlns:a="http://schemas.openxmlformats.org/drawingml/2006/main" xmlns:r="http://schemas.openxmlformats.org/officeDocument/2006/relationships" xmlns:p="http://schemas.openxmlformats.org/presentationml/2006/main">
   <p:cSld>

--- a/Figures .pptx
+++ b/Figures .pptx
@@ -9288,41 +9288,6 @@
           <a:chExt cx="0" cy="0"/>
         </a:xfrm>
       </p:grpSpPr>
-      <p:pic>
-        <p:nvPicPr>
-          <p:cNvPr id="2" name="Picture 1">
-            <a:extLst>
-              <a:ext uri="{FF2B5EF4-FFF2-40B4-BE49-F238E27FC236}">
-                <a16:creationId xmlns:a16="http://schemas.microsoft.com/office/drawing/2014/main" id="{2F68FB62-34DF-AF4D-AB50-7833B5C19371}"/>
-              </a:ext>
-            </a:extLst>
-          </p:cNvPr>
-          <p:cNvPicPr/>
-          <p:nvPr/>
-        </p:nvPicPr>
-        <p:blipFill rotWithShape="1">
-          <a:blip r:embed="rId2"/>
-          <a:srcRect l="2454" t="22962" r="4262" b="3025"/>
-          <a:stretch/>
-        </p:blipFill>
-        <p:spPr bwMode="auto">
-          <a:xfrm>
-            <a:off x="1638300" y="666750"/>
-            <a:ext cx="8267700" cy="4648200"/>
-          </a:xfrm>
-          <a:prstGeom prst="rect">
-            <a:avLst/>
-          </a:prstGeom>
-          <a:ln>
-            <a:noFill/>
-          </a:ln>
-          <a:extLst>
-            <a:ext uri="{53640926-AAD7-44D8-BBD7-CCE9431645EC}">
-              <a14:shadowObscured xmlns:a14="http://schemas.microsoft.com/office/drawing/2010/main"/>
-            </a:ext>
-          </a:extLst>
-        </p:spPr>
-      </p:pic>
       <p:sp>
         <p:nvSpPr>
           <p:cNvPr id="3" name="Text Box 15">
@@ -9415,6 +9380,35 @@
           </a:p>
         </p:txBody>
       </p:sp>
+      <p:pic>
+        <p:nvPicPr>
+          <p:cNvPr id="5" name="Picture 4">
+            <a:extLst>
+              <a:ext uri="{FF2B5EF4-FFF2-40B4-BE49-F238E27FC236}">
+                <a16:creationId xmlns:a16="http://schemas.microsoft.com/office/drawing/2014/main" id="{A054A57D-88DC-194C-A7ED-27246B7C5287}"/>
+              </a:ext>
+            </a:extLst>
+          </p:cNvPr>
+          <p:cNvPicPr>
+            <a:picLocks noChangeAspect="1"/>
+          </p:cNvPicPr>
+          <p:nvPr/>
+        </p:nvPicPr>
+        <p:blipFill rotWithShape="1">
+          <a:blip r:embed="rId2"/>
+          <a:srcRect l="2458" t="22848" r="2627" b="4406"/>
+          <a:stretch/>
+        </p:blipFill>
+        <p:spPr>
+          <a:xfrm>
+            <a:off x="1905000" y="1641763"/>
+            <a:ext cx="7758546" cy="3574473"/>
+          </a:xfrm>
+          <a:prstGeom prst="rect">
+            <a:avLst/>
+          </a:prstGeom>
+        </p:spPr>
+      </p:pic>
     </p:spTree>
     <p:extLst>
       <p:ext uri="{BB962C8B-B14F-4D97-AF65-F5344CB8AC3E}">
@@ -9453,6 +9447,367 @@
           <a:chExt cx="0" cy="0"/>
         </a:xfrm>
       </p:grpSpPr>
+      <p:pic>
+        <p:nvPicPr>
+          <p:cNvPr id="4" name="Picture 3" descr="A screenshot of a cell phone&#10;&#10;Description automatically generated">
+            <a:extLst>
+              <a:ext uri="{FF2B5EF4-FFF2-40B4-BE49-F238E27FC236}">
+                <a16:creationId xmlns:a16="http://schemas.microsoft.com/office/drawing/2014/main" id="{E8FBC524-B522-A147-B67A-F627FCD92FD3}"/>
+              </a:ext>
+            </a:extLst>
+          </p:cNvPr>
+          <p:cNvPicPr>
+            <a:picLocks noChangeAspect="1"/>
+          </p:cNvPicPr>
+          <p:nvPr/>
+        </p:nvPicPr>
+        <p:blipFill rotWithShape="1">
+          <a:blip r:embed="rId2"/>
+          <a:srcRect t="6360"/>
+          <a:stretch/>
+        </p:blipFill>
+        <p:spPr>
+          <a:xfrm>
+            <a:off x="523270" y="1155842"/>
+            <a:ext cx="5195885" cy="4103100"/>
+          </a:xfrm>
+          <a:prstGeom prst="rect">
+            <a:avLst/>
+          </a:prstGeom>
+        </p:spPr>
+      </p:pic>
+      <p:pic>
+        <p:nvPicPr>
+          <p:cNvPr id="9" name="Picture 8">
+            <a:extLst>
+              <a:ext uri="{FF2B5EF4-FFF2-40B4-BE49-F238E27FC236}">
+                <a16:creationId xmlns:a16="http://schemas.microsoft.com/office/drawing/2014/main" id="{ADCFB6AA-E013-2543-9D00-DB6FF79AA0D5}"/>
+              </a:ext>
+            </a:extLst>
+          </p:cNvPr>
+          <p:cNvPicPr>
+            <a:picLocks noChangeAspect="1"/>
+          </p:cNvPicPr>
+          <p:nvPr/>
+        </p:nvPicPr>
+        <p:blipFill rotWithShape="1">
+          <a:blip r:embed="rId3"/>
+          <a:srcRect t="6497"/>
+          <a:stretch/>
+        </p:blipFill>
+        <p:spPr>
+          <a:xfrm>
+            <a:off x="6096000" y="1205988"/>
+            <a:ext cx="5076304" cy="4002809"/>
+          </a:xfrm>
+          <a:prstGeom prst="rect">
+            <a:avLst/>
+          </a:prstGeom>
+        </p:spPr>
+      </p:pic>
+      <p:sp>
+        <p:nvSpPr>
+          <p:cNvPr id="10" name="TextBox 9">
+            <a:extLst>
+              <a:ext uri="{FF2B5EF4-FFF2-40B4-BE49-F238E27FC236}">
+                <a16:creationId xmlns:a16="http://schemas.microsoft.com/office/drawing/2014/main" id="{2EBB1573-6071-414A-A177-CE1669D8B6E6}"/>
+              </a:ext>
+            </a:extLst>
+          </p:cNvPr>
+          <p:cNvSpPr txBox="1"/>
+          <p:nvPr/>
+        </p:nvSpPr>
+        <p:spPr>
+          <a:xfrm>
+            <a:off x="464695" y="558662"/>
+            <a:ext cx="719528" cy="369332"/>
+          </a:xfrm>
+          <a:prstGeom prst="rect">
+            <a:avLst/>
+          </a:prstGeom>
+          <a:noFill/>
+        </p:spPr>
+        <p:txBody>
+          <a:bodyPr wrap="square" rtlCol="0">
+            <a:spAutoFit/>
+          </a:bodyPr>
+          <a:lstStyle/>
+          <a:p>
+            <a:r>
+              <a:rPr lang="en-US" b="1" dirty="0">
+                <a:solidFill>
+                  <a:schemeClr val="bg1"/>
+                </a:solidFill>
+                <a:latin typeface="Times New Roman" panose="02020603050405020304" pitchFamily="18" charset="0"/>
+                <a:cs typeface="Times New Roman" panose="02020603050405020304" pitchFamily="18" charset="0"/>
+              </a:rPr>
+              <a:t>A.</a:t>
+            </a:r>
+            <a:r>
+              <a:rPr lang="en-US" dirty="0"/>
+              <a:t>. </a:t>
+            </a:r>
+          </a:p>
+        </p:txBody>
+      </p:sp>
+      <p:sp>
+        <p:nvSpPr>
+          <p:cNvPr id="11" name="TextBox 10">
+            <a:extLst>
+              <a:ext uri="{FF2B5EF4-FFF2-40B4-BE49-F238E27FC236}">
+                <a16:creationId xmlns:a16="http://schemas.microsoft.com/office/drawing/2014/main" id="{53A1515C-245E-6A4E-8518-79A5A600E2E7}"/>
+              </a:ext>
+            </a:extLst>
+          </p:cNvPr>
+          <p:cNvSpPr txBox="1"/>
+          <p:nvPr/>
+        </p:nvSpPr>
+        <p:spPr>
+          <a:xfrm>
+            <a:off x="6096000" y="558662"/>
+            <a:ext cx="719528" cy="369332"/>
+          </a:xfrm>
+          <a:prstGeom prst="rect">
+            <a:avLst/>
+          </a:prstGeom>
+          <a:noFill/>
+        </p:spPr>
+        <p:txBody>
+          <a:bodyPr wrap="square" rtlCol="0">
+            <a:spAutoFit/>
+          </a:bodyPr>
+          <a:lstStyle/>
+          <a:p>
+            <a:r>
+              <a:rPr lang="en-US" b="1" dirty="0">
+                <a:solidFill>
+                  <a:schemeClr val="bg1"/>
+                </a:solidFill>
+                <a:latin typeface="Times New Roman" panose="02020603050405020304" pitchFamily="18" charset="0"/>
+                <a:cs typeface="Times New Roman" panose="02020603050405020304" pitchFamily="18" charset="0"/>
+              </a:rPr>
+              <a:t>B.</a:t>
+            </a:r>
+            <a:r>
+              <a:rPr lang="en-US" dirty="0"/>
+              <a:t>. </a:t>
+            </a:r>
+          </a:p>
+        </p:txBody>
+      </p:sp>
+      <p:sp>
+        <p:nvSpPr>
+          <p:cNvPr id="12" name="Text Box 14">
+            <a:extLst>
+              <a:ext uri="{FF2B5EF4-FFF2-40B4-BE49-F238E27FC236}">
+                <a16:creationId xmlns:a16="http://schemas.microsoft.com/office/drawing/2014/main" id="{B4677466-763C-9642-BAD4-D05B526C76F1}"/>
+              </a:ext>
+            </a:extLst>
+          </p:cNvPr>
+          <p:cNvSpPr txBox="1"/>
+          <p:nvPr/>
+        </p:nvSpPr>
+        <p:spPr>
+          <a:xfrm>
+            <a:off x="523270" y="5397702"/>
+            <a:ext cx="11430432" cy="1448702"/>
+          </a:xfrm>
+          <a:prstGeom prst="rect">
+            <a:avLst/>
+          </a:prstGeom>
+          <a:solidFill>
+            <a:schemeClr val="lt1"/>
+          </a:solidFill>
+          <a:ln w="6350">
+            <a:noFill/>
+          </a:ln>
+        </p:spPr>
+        <p:txBody>
+          <a:bodyPr rot="0" spcFirstLastPara="0" vert="horz" wrap="square" lIns="91440" tIns="45720" rIns="91440" bIns="45720" numCol="1" spcCol="0" rtlCol="0" fromWordArt="0" anchor="t" anchorCtr="0" forceAA="0" compatLnSpc="1">
+            <a:prstTxWarp prst="textNoShape">
+              <a:avLst/>
+            </a:prstTxWarp>
+            <a:noAutofit/>
+          </a:bodyPr>
+          <a:lstStyle/>
+          <a:p>
+            <a:pPr marL="0" marR="0">
+              <a:spcBef>
+                <a:spcPts val="0"/>
+              </a:spcBef>
+              <a:spcAft>
+                <a:spcPts val="0"/>
+              </a:spcAft>
+            </a:pPr>
+            <a:r>
+              <a:rPr lang="en-US" sz="1400" b="1" dirty="0">
+                <a:solidFill>
+                  <a:srgbClr val="000000"/>
+                </a:solidFill>
+                <a:effectLst/>
+                <a:latin typeface="Times New Roman" panose="02020603050405020304" pitchFamily="18" charset="0"/>
+                <a:ea typeface="Times New Roman" panose="02020603050405020304" pitchFamily="18" charset="0"/>
+              </a:rPr>
+              <a:t>Figure 5: Inhibition of </a:t>
+            </a:r>
+            <a:r>
+              <a:rPr lang="en-US" sz="1400" b="1" dirty="0">
+                <a:solidFill>
+                  <a:srgbClr val="000000"/>
+                </a:solidFill>
+                <a:latin typeface="Times New Roman" panose="02020603050405020304" pitchFamily="18" charset="0"/>
+                <a:ea typeface="Times New Roman" panose="02020603050405020304" pitchFamily="18" charset="0"/>
+              </a:rPr>
+              <a:t>NEK1 </a:t>
+            </a:r>
+            <a:r>
+              <a:rPr lang="en-US" sz="1400" b="1" dirty="0">
+                <a:solidFill>
+                  <a:srgbClr val="000000"/>
+                </a:solidFill>
+                <a:effectLst/>
+                <a:latin typeface="Times New Roman" panose="02020603050405020304" pitchFamily="18" charset="0"/>
+                <a:ea typeface="Times New Roman" panose="02020603050405020304" pitchFamily="18" charset="0"/>
+              </a:rPr>
+              <a:t>by </a:t>
+            </a:r>
+            <a:r>
+              <a:rPr lang="en-US" sz="1400" b="1" dirty="0">
+                <a:solidFill>
+                  <a:srgbClr val="000000"/>
+                </a:solidFill>
+                <a:latin typeface="Times New Roman" panose="02020603050405020304" pitchFamily="18" charset="0"/>
+                <a:ea typeface="Times New Roman" panose="02020603050405020304" pitchFamily="18" charset="0"/>
+              </a:rPr>
+              <a:t>Zinc05007751 reduces </a:t>
+            </a:r>
+            <a:r>
+              <a:rPr lang="en-US" sz="1400" b="1" dirty="0">
+                <a:solidFill>
+                  <a:srgbClr val="000000"/>
+                </a:solidFill>
+                <a:effectLst/>
+                <a:latin typeface="Times New Roman" panose="02020603050405020304" pitchFamily="18" charset="0"/>
+                <a:ea typeface="Times New Roman" panose="02020603050405020304" pitchFamily="18" charset="0"/>
+              </a:rPr>
+              <a:t>Hedgehog Signaling activation. </a:t>
+            </a:r>
+            <a:endParaRPr lang="en-US" sz="1400" dirty="0">
+              <a:effectLst/>
+              <a:latin typeface="Times New Roman" panose="02020603050405020304" pitchFamily="18" charset="0"/>
+              <a:ea typeface="Times New Roman" panose="02020603050405020304" pitchFamily="18" charset="0"/>
+            </a:endParaRPr>
+          </a:p>
+          <a:p>
+            <a:pPr marL="0" marR="0">
+              <a:spcBef>
+                <a:spcPts val="0"/>
+              </a:spcBef>
+              <a:spcAft>
+                <a:spcPts val="0"/>
+              </a:spcAft>
+            </a:pPr>
+            <a:r>
+              <a:rPr lang="en-US" sz="1400" b="1" dirty="0">
+                <a:solidFill>
+                  <a:srgbClr val="000000"/>
+                </a:solidFill>
+                <a:effectLst/>
+                <a:latin typeface="Times New Roman" panose="02020603050405020304" pitchFamily="18" charset="0"/>
+                <a:ea typeface="Times New Roman" panose="02020603050405020304" pitchFamily="18" charset="0"/>
+              </a:rPr>
+              <a:t>A. </a:t>
+            </a:r>
+            <a:r>
+              <a:rPr lang="en-US" sz="1400" dirty="0">
+                <a:solidFill>
+                  <a:srgbClr val="000000"/>
+                </a:solidFill>
+                <a:effectLst/>
+                <a:latin typeface="Times New Roman" panose="02020603050405020304" pitchFamily="18" charset="0"/>
+                <a:ea typeface="Times New Roman" panose="02020603050405020304" pitchFamily="18" charset="0"/>
+              </a:rPr>
+              <a:t>GLI1 expression of Wild Type 3T3 Cells grown in serum starved media (SS) or serum starved with Hedgehog conditioned media (HH SS) in the presence of </a:t>
+            </a:r>
+            <a:r>
+              <a:rPr lang="en-US" sz="1400" dirty="0">
+                <a:solidFill>
+                  <a:srgbClr val="000000"/>
+                </a:solidFill>
+                <a:latin typeface="Times New Roman" panose="02020603050405020304" pitchFamily="18" charset="0"/>
+                <a:ea typeface="Times New Roman" panose="02020603050405020304" pitchFamily="18" charset="0"/>
+              </a:rPr>
+              <a:t>Zinc05007751</a:t>
+            </a:r>
+            <a:r>
+              <a:rPr lang="en-US" sz="1400" dirty="0">
+                <a:solidFill>
+                  <a:srgbClr val="000000"/>
+                </a:solidFill>
+                <a:effectLst/>
+                <a:latin typeface="Times New Roman" panose="02020603050405020304" pitchFamily="18" charset="0"/>
+                <a:ea typeface="Times New Roman" panose="02020603050405020304" pitchFamily="18" charset="0"/>
+              </a:rPr>
+              <a:t> at varying concentrations. Expression of GLI1 is normalized based on expression of housekeeping gene GAPDH. Standard error bar corresponds to technical replicates. </a:t>
+            </a:r>
+          </a:p>
+          <a:p>
+            <a:pPr marL="0" marR="0">
+              <a:spcBef>
+                <a:spcPts val="0"/>
+              </a:spcBef>
+              <a:spcAft>
+                <a:spcPts val="0"/>
+              </a:spcAft>
+            </a:pPr>
+            <a:r>
+              <a:rPr lang="en-US" sz="1400" b="1" dirty="0">
+                <a:solidFill>
+                  <a:srgbClr val="000000"/>
+                </a:solidFill>
+                <a:effectLst/>
+                <a:latin typeface="Times New Roman" panose="02020603050405020304" pitchFamily="18" charset="0"/>
+                <a:ea typeface="Times New Roman" panose="02020603050405020304" pitchFamily="18" charset="0"/>
+              </a:rPr>
+              <a:t>B.</a:t>
+            </a:r>
+            <a:r>
+              <a:rPr lang="en-US" sz="1400" dirty="0">
+                <a:solidFill>
+                  <a:srgbClr val="000000"/>
+                </a:solidFill>
+                <a:effectLst/>
+                <a:latin typeface="Times New Roman" panose="02020603050405020304" pitchFamily="18" charset="0"/>
+                <a:ea typeface="Times New Roman" panose="02020603050405020304" pitchFamily="18" charset="0"/>
+              </a:rPr>
+              <a:t> GLI1 expression of Basal Cell Carcinoma (BCC) cells grown in serum starved media (SS) in the presence of Zinc05007751 at varying concentrations. Expression of GLI1 is normalized based on expression of housekeeping gene GAPDH. Standard error bar corresponds to technical replicates.     </a:t>
+            </a:r>
+            <a:endParaRPr lang="en-US" sz="1400" dirty="0">
+              <a:effectLst/>
+              <a:latin typeface="Times New Roman" panose="02020603050405020304" pitchFamily="18" charset="0"/>
+              <a:ea typeface="Times New Roman" panose="02020603050405020304" pitchFamily="18" charset="0"/>
+            </a:endParaRPr>
+          </a:p>
+          <a:p>
+            <a:pPr marL="0" marR="0">
+              <a:spcBef>
+                <a:spcPts val="0"/>
+              </a:spcBef>
+              <a:spcAft>
+                <a:spcPts val="0"/>
+              </a:spcAft>
+            </a:pPr>
+            <a:r>
+              <a:rPr lang="en-US" sz="1200" dirty="0">
+                <a:effectLst/>
+                <a:latin typeface="Times New Roman" panose="02020603050405020304" pitchFamily="18" charset="0"/>
+                <a:ea typeface="Times New Roman" panose="02020603050405020304" pitchFamily="18" charset="0"/>
+              </a:rPr>
+              <a:t> </a:t>
+            </a:r>
+          </a:p>
+        </p:txBody>
+      </p:sp>
     </p:spTree>
     <p:extLst>
       <p:ext uri="{BB962C8B-B14F-4D97-AF65-F5344CB8AC3E}">

--- a/Figures .pptx
+++ b/Figures .pptx
@@ -1447,7 +1447,7 @@
           <a:p>
             <a:fld id="{02A18D8B-DC9B-9240-827D-050205FA2A6B}" type="datetimeFigureOut">
               <a:rPr lang="en-US" smtClean="0"/>
-              <a:t>12/3/19</a:t>
+              <a:t>12/4/19</a:t>
             </a:fld>
             <a:endParaRPr lang="en-US"/>
           </a:p>
@@ -1997,7 +1997,7 @@
           <a:p>
             <a:fld id="{88D38747-4367-4BD2-8D51-C97E202738E2}" type="datetime1">
               <a:rPr lang="en-US" smtClean="0"/>
-              <a:t>12/3/19</a:t>
+              <a:t>12/4/19</a:t>
             </a:fld>
             <a:endParaRPr lang="en-US" dirty="0"/>
           </a:p>
@@ -2302,7 +2302,7 @@
           <a:p>
             <a:fld id="{11F1B079-7EF0-44EE-B798-BCC497C9F3B2}" type="datetime1">
               <a:rPr lang="en-US" smtClean="0"/>
-              <a:t>12/3/19</a:t>
+              <a:t>12/4/19</a:t>
             </a:fld>
             <a:endParaRPr lang="en-US" dirty="0"/>
           </a:p>
@@ -2496,7 +2496,7 @@
           <a:p>
             <a:fld id="{28FF70A8-1D13-4657-95F0-A9EA54967B8D}" type="datetime1">
               <a:rPr lang="en-US" smtClean="0"/>
-              <a:t>12/3/19</a:t>
+              <a:t>12/4/19</a:t>
             </a:fld>
             <a:endParaRPr lang="en-US" dirty="0"/>
           </a:p>
@@ -2759,7 +2759,7 @@
           <a:p>
             <a:fld id="{21EB90AC-71BD-4C7F-8ACA-7B3F18292E63}" type="datetime1">
               <a:rPr lang="en-US" smtClean="0"/>
-              <a:t>12/3/19</a:t>
+              <a:t>12/4/19</a:t>
             </a:fld>
             <a:endParaRPr lang="en-US" dirty="0"/>
           </a:p>
@@ -3195,7 +3195,7 @@
           <a:p>
             <a:fld id="{4E6EFC2C-8905-46F0-B443-CE905B76BA01}" type="datetime1">
               <a:rPr lang="en-US" smtClean="0"/>
-              <a:t>12/3/19</a:t>
+              <a:t>12/4/19</a:t>
             </a:fld>
             <a:endParaRPr lang="en-US" dirty="0"/>
           </a:p>
@@ -3732,7 +3732,7 @@
           <a:p>
             <a:fld id="{D9079DC3-C9B5-499E-9140-0DC28B7074E2}" type="datetime1">
               <a:rPr lang="en-US" smtClean="0"/>
-              <a:t>12/3/19</a:t>
+              <a:t>12/4/19</a:t>
             </a:fld>
             <a:endParaRPr lang="en-US" dirty="0"/>
           </a:p>
@@ -4614,7 +4614,7 @@
           <a:p>
             <a:fld id="{30BB33EA-E472-4D22-9C03-A9C14AA21CED}" type="datetime1">
               <a:rPr lang="en-US" smtClean="0"/>
-              <a:t>12/3/19</a:t>
+              <a:t>12/4/19</a:t>
             </a:fld>
             <a:endParaRPr lang="en-US" dirty="0"/>
           </a:p>
@@ -4784,7 +4784,7 @@
           <a:p>
             <a:fld id="{217E833E-1B6D-415F-AD29-75AE8C43BD0D}" type="datetime1">
               <a:rPr lang="en-US" smtClean="0"/>
-              <a:t>12/3/19</a:t>
+              <a:t>12/4/19</a:t>
             </a:fld>
             <a:endParaRPr lang="en-US" dirty="0"/>
           </a:p>
@@ -4968,7 +4968,7 @@
           <a:p>
             <a:fld id="{8452596F-08A7-4B70-989A-F2B1CF31E66B}" type="datetime1">
               <a:rPr lang="en-US" smtClean="0"/>
-              <a:t>12/3/19</a:t>
+              <a:t>12/4/19</a:t>
             </a:fld>
             <a:endParaRPr lang="en-US" dirty="0"/>
           </a:p>
@@ -5138,7 +5138,7 @@
           <a:p>
             <a:fld id="{73C55A3C-5767-4844-A0A3-83778C2E5409}" type="datetime1">
               <a:rPr lang="en-US" smtClean="0"/>
-              <a:t>12/3/19</a:t>
+              <a:t>12/4/19</a:t>
             </a:fld>
             <a:endParaRPr lang="en-US" dirty="0"/>
           </a:p>
@@ -5382,7 +5382,7 @@
           <a:p>
             <a:fld id="{CAE507A8-A5CF-4D38-AB86-7EDDA87A85D4}" type="datetime1">
               <a:rPr lang="en-US" smtClean="0"/>
-              <a:t>12/3/19</a:t>
+              <a:t>12/4/19</a:t>
             </a:fld>
             <a:endParaRPr lang="en-US" dirty="0"/>
           </a:p>
@@ -5624,7 +5624,7 @@
           <a:p>
             <a:fld id="{BDFCD27C-8599-43EF-BA1D-14DDC1946E06}" type="datetime1">
               <a:rPr lang="en-US" smtClean="0"/>
-              <a:t>12/3/19</a:t>
+              <a:t>12/4/19</a:t>
             </a:fld>
             <a:endParaRPr lang="en-US" dirty="0"/>
           </a:p>
@@ -6105,7 +6105,7 @@
           <a:p>
             <a:fld id="{49343D99-809A-49C0-96E5-4250D0B498EE}" type="datetime1">
               <a:rPr lang="en-US" smtClean="0"/>
-              <a:t>12/3/19</a:t>
+              <a:t>12/4/19</a:t>
             </a:fld>
             <a:endParaRPr lang="en-US" dirty="0"/>
           </a:p>
@@ -6223,7 +6223,7 @@
           <a:p>
             <a:fld id="{A143DE9B-B678-4EFB-BB7D-A4370204A0B0}" type="datetime1">
               <a:rPr lang="en-US" smtClean="0"/>
-              <a:t>12/3/19</a:t>
+              <a:t>12/4/19</a:t>
             </a:fld>
             <a:endParaRPr lang="en-US" dirty="0"/>
           </a:p>
@@ -6318,7 +6318,7 @@
           <a:p>
             <a:fld id="{E68812DA-F765-4142-A6A3-A8ED7235E082}" type="datetime1">
               <a:rPr lang="en-US" smtClean="0"/>
-              <a:t>12/3/19</a:t>
+              <a:t>12/4/19</a:t>
             </a:fld>
             <a:endParaRPr lang="en-US" dirty="0"/>
           </a:p>
@@ -6573,7 +6573,7 @@
           <a:p>
             <a:fld id="{3E0277FD-7DE6-41D4-930D-AC99F5AFE54E}" type="datetime1">
               <a:rPr lang="en-US" smtClean="0"/>
-              <a:t>12/3/19</a:t>
+              <a:t>12/4/19</a:t>
             </a:fld>
             <a:endParaRPr lang="en-US" dirty="0"/>
           </a:p>
@@ -6880,7 +6880,7 @@
           <a:p>
             <a:fld id="{9EA15526-7079-4B7B-987C-1B5FAE11A0FF}" type="datetime1">
               <a:rPr lang="en-US" smtClean="0"/>
-              <a:t>12/3/19</a:t>
+              <a:t>12/4/19</a:t>
             </a:fld>
             <a:endParaRPr lang="en-US" dirty="0"/>
           </a:p>
@@ -7115,7 +7115,7 @@
           <a:p>
             <a:fld id="{073ED0CC-082F-4160-86E5-0D6041F12778}" type="datetime1">
               <a:rPr lang="en-US" smtClean="0"/>
-              <a:t>12/3/19</a:t>
+              <a:t>12/4/19</a:t>
             </a:fld>
             <a:endParaRPr lang="en-US" dirty="0"/>
           </a:p>

--- a/Figures .pptx
+++ b/Figures .pptx
@@ -1447,7 +1447,7 @@
           <a:p>
             <a:fld id="{02A18D8B-DC9B-9240-827D-050205FA2A6B}" type="datetimeFigureOut">
               <a:rPr lang="en-US" smtClean="0"/>
-              <a:t>12/4/19</a:t>
+              <a:t>12/10/19</a:t>
             </a:fld>
             <a:endParaRPr lang="en-US"/>
           </a:p>
@@ -1997,7 +1997,7 @@
           <a:p>
             <a:fld id="{88D38747-4367-4BD2-8D51-C97E202738E2}" type="datetime1">
               <a:rPr lang="en-US" smtClean="0"/>
-              <a:t>12/4/19</a:t>
+              <a:t>12/10/19</a:t>
             </a:fld>
             <a:endParaRPr lang="en-US" dirty="0"/>
           </a:p>
@@ -2302,7 +2302,7 @@
           <a:p>
             <a:fld id="{11F1B079-7EF0-44EE-B798-BCC497C9F3B2}" type="datetime1">
               <a:rPr lang="en-US" smtClean="0"/>
-              <a:t>12/4/19</a:t>
+              <a:t>12/10/19</a:t>
             </a:fld>
             <a:endParaRPr lang="en-US" dirty="0"/>
           </a:p>
@@ -2496,7 +2496,7 @@
           <a:p>
             <a:fld id="{28FF70A8-1D13-4657-95F0-A9EA54967B8D}" type="datetime1">
               <a:rPr lang="en-US" smtClean="0"/>
-              <a:t>12/4/19</a:t>
+              <a:t>12/10/19</a:t>
             </a:fld>
             <a:endParaRPr lang="en-US" dirty="0"/>
           </a:p>
@@ -2759,7 +2759,7 @@
           <a:p>
             <a:fld id="{21EB90AC-71BD-4C7F-8ACA-7B3F18292E63}" type="datetime1">
               <a:rPr lang="en-US" smtClean="0"/>
-              <a:t>12/4/19</a:t>
+              <a:t>12/10/19</a:t>
             </a:fld>
             <a:endParaRPr lang="en-US" dirty="0"/>
           </a:p>
@@ -3195,7 +3195,7 @@
           <a:p>
             <a:fld id="{4E6EFC2C-8905-46F0-B443-CE905B76BA01}" type="datetime1">
               <a:rPr lang="en-US" smtClean="0"/>
-              <a:t>12/4/19</a:t>
+              <a:t>12/10/19</a:t>
             </a:fld>
             <a:endParaRPr lang="en-US" dirty="0"/>
           </a:p>
@@ -3732,7 +3732,7 @@
           <a:p>
             <a:fld id="{D9079DC3-C9B5-499E-9140-0DC28B7074E2}" type="datetime1">
               <a:rPr lang="en-US" smtClean="0"/>
-              <a:t>12/4/19</a:t>
+              <a:t>12/10/19</a:t>
             </a:fld>
             <a:endParaRPr lang="en-US" dirty="0"/>
           </a:p>
@@ -4614,7 +4614,7 @@
           <a:p>
             <a:fld id="{30BB33EA-E472-4D22-9C03-A9C14AA21CED}" type="datetime1">
               <a:rPr lang="en-US" smtClean="0"/>
-              <a:t>12/4/19</a:t>
+              <a:t>12/10/19</a:t>
             </a:fld>
             <a:endParaRPr lang="en-US" dirty="0"/>
           </a:p>
@@ -4784,7 +4784,7 @@
           <a:p>
             <a:fld id="{217E833E-1B6D-415F-AD29-75AE8C43BD0D}" type="datetime1">
               <a:rPr lang="en-US" smtClean="0"/>
-              <a:t>12/4/19</a:t>
+              <a:t>12/10/19</a:t>
             </a:fld>
             <a:endParaRPr lang="en-US" dirty="0"/>
           </a:p>
@@ -4968,7 +4968,7 @@
           <a:p>
             <a:fld id="{8452596F-08A7-4B70-989A-F2B1CF31E66B}" type="datetime1">
               <a:rPr lang="en-US" smtClean="0"/>
-              <a:t>12/4/19</a:t>
+              <a:t>12/10/19</a:t>
             </a:fld>
             <a:endParaRPr lang="en-US" dirty="0"/>
           </a:p>
@@ -5138,7 +5138,7 @@
           <a:p>
             <a:fld id="{73C55A3C-5767-4844-A0A3-83778C2E5409}" type="datetime1">
               <a:rPr lang="en-US" smtClean="0"/>
-              <a:t>12/4/19</a:t>
+              <a:t>12/10/19</a:t>
             </a:fld>
             <a:endParaRPr lang="en-US" dirty="0"/>
           </a:p>
@@ -5382,7 +5382,7 @@
           <a:p>
             <a:fld id="{CAE507A8-A5CF-4D38-AB86-7EDDA87A85D4}" type="datetime1">
               <a:rPr lang="en-US" smtClean="0"/>
-              <a:t>12/4/19</a:t>
+              <a:t>12/10/19</a:t>
             </a:fld>
             <a:endParaRPr lang="en-US" dirty="0"/>
           </a:p>
@@ -5624,7 +5624,7 @@
           <a:p>
             <a:fld id="{BDFCD27C-8599-43EF-BA1D-14DDC1946E06}" type="datetime1">
               <a:rPr lang="en-US" smtClean="0"/>
-              <a:t>12/4/19</a:t>
+              <a:t>12/10/19</a:t>
             </a:fld>
             <a:endParaRPr lang="en-US" dirty="0"/>
           </a:p>
@@ -6105,7 +6105,7 @@
           <a:p>
             <a:fld id="{49343D99-809A-49C0-96E5-4250D0B498EE}" type="datetime1">
               <a:rPr lang="en-US" smtClean="0"/>
-              <a:t>12/4/19</a:t>
+              <a:t>12/10/19</a:t>
             </a:fld>
             <a:endParaRPr lang="en-US" dirty="0"/>
           </a:p>
@@ -6223,7 +6223,7 @@
           <a:p>
             <a:fld id="{A143DE9B-B678-4EFB-BB7D-A4370204A0B0}" type="datetime1">
               <a:rPr lang="en-US" smtClean="0"/>
-              <a:t>12/4/19</a:t>
+              <a:t>12/10/19</a:t>
             </a:fld>
             <a:endParaRPr lang="en-US" dirty="0"/>
           </a:p>
@@ -6318,7 +6318,7 @@
           <a:p>
             <a:fld id="{E68812DA-F765-4142-A6A3-A8ED7235E082}" type="datetime1">
               <a:rPr lang="en-US" smtClean="0"/>
-              <a:t>12/4/19</a:t>
+              <a:t>12/10/19</a:t>
             </a:fld>
             <a:endParaRPr lang="en-US" dirty="0"/>
           </a:p>
@@ -6573,7 +6573,7 @@
           <a:p>
             <a:fld id="{3E0277FD-7DE6-41D4-930D-AC99F5AFE54E}" type="datetime1">
               <a:rPr lang="en-US" smtClean="0"/>
-              <a:t>12/4/19</a:t>
+              <a:t>12/10/19</a:t>
             </a:fld>
             <a:endParaRPr lang="en-US" dirty="0"/>
           </a:p>
@@ -6880,7 +6880,7 @@
           <a:p>
             <a:fld id="{9EA15526-7079-4B7B-987C-1B5FAE11A0FF}" type="datetime1">
               <a:rPr lang="en-US" smtClean="0"/>
-              <a:t>12/4/19</a:t>
+              <a:t>12/10/19</a:t>
             </a:fld>
             <a:endParaRPr lang="en-US" dirty="0"/>
           </a:p>
@@ -7115,7 +7115,7 @@
           <a:p>
             <a:fld id="{073ED0CC-082F-4160-86E5-0D6041F12778}" type="datetime1">
               <a:rPr lang="en-US" smtClean="0"/>
-              <a:t>12/4/19</a:t>
+              <a:t>12/10/19</a:t>
             </a:fld>
             <a:endParaRPr lang="en-US" dirty="0"/>
           </a:p>
@@ -8763,41 +8763,6 @@
           <a:chExt cx="0" cy="0"/>
         </a:xfrm>
       </p:grpSpPr>
-      <p:pic>
-        <p:nvPicPr>
-          <p:cNvPr id="4" name="Picture 3">
-            <a:extLst>
-              <a:ext uri="{FF2B5EF4-FFF2-40B4-BE49-F238E27FC236}">
-                <a16:creationId xmlns:a16="http://schemas.microsoft.com/office/drawing/2014/main" id="{16E9747F-084A-5B40-A0B5-BB9CAACCE065}"/>
-              </a:ext>
-            </a:extLst>
-          </p:cNvPr>
-          <p:cNvPicPr/>
-          <p:nvPr/>
-        </p:nvPicPr>
-        <p:blipFill rotWithShape="1">
-          <a:blip r:embed="rId2"/>
-          <a:srcRect l="2591" t="18160" r="2542" b="3265"/>
-          <a:stretch/>
-        </p:blipFill>
-        <p:spPr bwMode="auto">
-          <a:xfrm>
-            <a:off x="2001520" y="952182"/>
-            <a:ext cx="7923530" cy="4038918"/>
-          </a:xfrm>
-          <a:prstGeom prst="rect">
-            <a:avLst/>
-          </a:prstGeom>
-          <a:ln>
-            <a:noFill/>
-          </a:ln>
-          <a:extLst>
-            <a:ext uri="{53640926-AAD7-44D8-BBD7-CCE9431645EC}">
-              <a14:shadowObscured xmlns:a14="http://schemas.microsoft.com/office/drawing/2010/main"/>
-            </a:ext>
-          </a:extLst>
-        </p:spPr>
-      </p:pic>
       <p:sp>
         <p:nvSpPr>
           <p:cNvPr id="5" name="Text Box 13">
@@ -8812,7 +8777,7 @@
         </p:nvSpPr>
         <p:spPr>
           <a:xfrm>
-            <a:off x="2266950" y="4991100"/>
+            <a:off x="2521782" y="4991100"/>
             <a:ext cx="8188960" cy="914718"/>
           </a:xfrm>
           <a:prstGeom prst="rect">
@@ -8851,7 +8816,28 @@
                 <a:latin typeface="Times New Roman" panose="02020603050405020304" pitchFamily="18" charset="0"/>
                 <a:ea typeface="Times New Roman" panose="02020603050405020304" pitchFamily="18" charset="0"/>
               </a:rPr>
-              <a:t>Figure 2: Treatment of BCC cells with MAP2K1/MEK1 inhibitor Cobimetinib only affects cell proliferation at high concentrations. </a:t>
+              <a:t>Figure 2: Treatment of BCC cells with MAP2K1/MEK1 inhibitor Cobimetinib </a:t>
+            </a:r>
+            <a:r>
+              <a:rPr lang="en-US" sz="1400" b="1" dirty="0">
+                <a:solidFill>
+                  <a:srgbClr val="000000"/>
+                </a:solidFill>
+                <a:latin typeface="Times New Roman" panose="02020603050405020304" pitchFamily="18" charset="0"/>
+                <a:ea typeface="Times New Roman" panose="02020603050405020304" pitchFamily="18" charset="0"/>
+              </a:rPr>
+              <a:t>does not impact cell viability</a:t>
+            </a:r>
+            <a:r>
+              <a:rPr lang="en-US" sz="1400" b="1" dirty="0">
+                <a:solidFill>
+                  <a:srgbClr val="000000"/>
+                </a:solidFill>
+                <a:effectLst/>
+                <a:latin typeface="Times New Roman" panose="02020603050405020304" pitchFamily="18" charset="0"/>
+                <a:ea typeface="Times New Roman" panose="02020603050405020304" pitchFamily="18" charset="0"/>
+              </a:rPr>
+              <a:t>. </a:t>
             </a:r>
             <a:r>
               <a:rPr lang="en-US" sz="1400" dirty="0">
@@ -8862,7 +8848,7 @@
                 <a:latin typeface="Times New Roman" panose="02020603050405020304" pitchFamily="18" charset="0"/>
                 <a:ea typeface="Times New Roman" panose="02020603050405020304" pitchFamily="18" charset="0"/>
               </a:rPr>
-              <a:t>Measurement of the absorbance at 570 nM as a means of determining cell viability through an MTT assay. BCC cells were treated with increasing concentrations of inhibitor drug over the course of 6 days. </a:t>
+              <a:t>Measurement of the absorbance at 570 nM as a means of determining cell viability through an MTT assay. BCC cells were treated with increasing concentrations of inhibitor drug over the course of 6 days. Error bars represent the standard deviation of technical replicates. </a:t>
             </a:r>
             <a:endParaRPr lang="en-US" sz="1400" dirty="0">
               <a:effectLst/>
@@ -8890,6 +8876,35 @@
           </a:p>
         </p:txBody>
       </p:sp>
+      <p:pic>
+        <p:nvPicPr>
+          <p:cNvPr id="6" name="Picture 5">
+            <a:extLst>
+              <a:ext uri="{FF2B5EF4-FFF2-40B4-BE49-F238E27FC236}">
+                <a16:creationId xmlns:a16="http://schemas.microsoft.com/office/drawing/2014/main" id="{10C7226D-6656-8243-BABA-5DF7F729F504}"/>
+              </a:ext>
+            </a:extLst>
+          </p:cNvPr>
+          <p:cNvPicPr>
+            <a:picLocks noChangeAspect="1"/>
+          </p:cNvPicPr>
+          <p:nvPr/>
+        </p:nvPicPr>
+        <p:blipFill rotWithShape="1">
+          <a:blip r:embed="rId2"/>
+          <a:srcRect l="1838" t="15134" r="2612" b="1327"/>
+          <a:stretch/>
+        </p:blipFill>
+        <p:spPr>
+          <a:xfrm>
+            <a:off x="2134714" y="638026"/>
+            <a:ext cx="7922572" cy="4353074"/>
+          </a:xfrm>
+          <a:prstGeom prst="rect">
+            <a:avLst/>
+          </a:prstGeom>
+        </p:spPr>
+      </p:pic>
     </p:spTree>
     <p:extLst>
       <p:ext uri="{BB962C8B-B14F-4D97-AF65-F5344CB8AC3E}">
@@ -9324,14 +9339,6 @@
           </a:bodyPr>
           <a:lstStyle/>
           <a:p>
-            <a:pPr marL="0" marR="0">
-              <a:spcBef>
-                <a:spcPts val="0"/>
-              </a:spcBef>
-              <a:spcAft>
-                <a:spcPts val="0"/>
-              </a:spcAft>
-            </a:pPr>
             <a:r>
               <a:rPr lang="en-US" sz="1400" b="1" dirty="0">
                 <a:solidFill>
@@ -9352,7 +9359,17 @@
                 <a:latin typeface="Times New Roman" panose="02020603050405020304" pitchFamily="18" charset="0"/>
                 <a:ea typeface="Times New Roman" panose="02020603050405020304" pitchFamily="18" charset="0"/>
               </a:rPr>
-              <a:t>Measurement of the absorbance at 570 nM as a means of determining cell viability through an MTT assay. BCC cells were treated with increasing concentrations of inhibitor drug Dichloroacetic Acid  over the course of 6 days. </a:t>
+              <a:t>Measurement of the absorbance at 570 nM as a means of determining cell viability through an MTT assay. BCC cells were treated with increasing concentrations of inhibitor drug Dichloroacetic Acid over the course of 6 days. </a:t>
+            </a:r>
+            <a:r>
+              <a:rPr lang="en-US" sz="1400" dirty="0">
+                <a:solidFill>
+                  <a:srgbClr val="000000"/>
+                </a:solidFill>
+                <a:latin typeface="Times New Roman" panose="02020603050405020304" pitchFamily="18" charset="0"/>
+                <a:ea typeface="Times New Roman" panose="02020603050405020304" pitchFamily="18" charset="0"/>
+              </a:rPr>
+              <a:t>Error bars represent the standard deviation of technical replicates. </a:t>
             </a:r>
             <a:endParaRPr lang="en-US" sz="1400" dirty="0">
               <a:effectLst/>
@@ -9382,10 +9399,10 @@
       </p:sp>
       <p:pic>
         <p:nvPicPr>
-          <p:cNvPr id="5" name="Picture 4">
+          <p:cNvPr id="6" name="Picture 5">
             <a:extLst>
               <a:ext uri="{FF2B5EF4-FFF2-40B4-BE49-F238E27FC236}">
-                <a16:creationId xmlns:a16="http://schemas.microsoft.com/office/drawing/2014/main" id="{A054A57D-88DC-194C-A7ED-27246B7C5287}"/>
+                <a16:creationId xmlns:a16="http://schemas.microsoft.com/office/drawing/2014/main" id="{2BA74F8A-7D70-F44A-B6D0-72CD6CC1AF41}"/>
               </a:ext>
             </a:extLst>
           </p:cNvPr>
@@ -9396,13 +9413,13 @@
         </p:nvPicPr>
         <p:blipFill rotWithShape="1">
           <a:blip r:embed="rId2"/>
-          <a:srcRect l="2458" t="22848" r="2627" b="4406"/>
+          <a:srcRect l="3116" t="25170" r="1983" b="3197"/>
           <a:stretch/>
         </p:blipFill>
         <p:spPr>
           <a:xfrm>
-            <a:off x="1905000" y="1641763"/>
-            <a:ext cx="7758546" cy="3574473"/>
+            <a:off x="1886989" y="1503602"/>
+            <a:ext cx="8400011" cy="3811348"/>
           </a:xfrm>
           <a:prstGeom prst="rect">
             <a:avLst/>
@@ -9846,41 +9863,6 @@
           <a:chExt cx="0" cy="0"/>
         </a:xfrm>
       </p:grpSpPr>
-      <p:pic>
-        <p:nvPicPr>
-          <p:cNvPr id="2" name="Picture 1">
-            <a:extLst>
-              <a:ext uri="{FF2B5EF4-FFF2-40B4-BE49-F238E27FC236}">
-                <a16:creationId xmlns:a16="http://schemas.microsoft.com/office/drawing/2014/main" id="{AB36B174-E8E9-EC47-8EDB-9811C39CFDD0}"/>
-              </a:ext>
-            </a:extLst>
-          </p:cNvPr>
-          <p:cNvPicPr/>
-          <p:nvPr/>
-        </p:nvPicPr>
-        <p:blipFill rotWithShape="1">
-          <a:blip r:embed="rId2"/>
-          <a:srcRect l="2654" t="21381" r="2025" b="3247"/>
-          <a:stretch/>
-        </p:blipFill>
-        <p:spPr bwMode="auto">
-          <a:xfrm>
-            <a:off x="2105890" y="609600"/>
-            <a:ext cx="7980219" cy="4571999"/>
-          </a:xfrm>
-          <a:prstGeom prst="rect">
-            <a:avLst/>
-          </a:prstGeom>
-          <a:ln>
-            <a:noFill/>
-          </a:ln>
-          <a:extLst>
-            <a:ext uri="{53640926-AAD7-44D8-BBD7-CCE9431645EC}">
-              <a14:shadowObscured xmlns:a14="http://schemas.microsoft.com/office/drawing/2010/main"/>
-            </a:ext>
-          </a:extLst>
-        </p:spPr>
-      </p:pic>
       <p:sp>
         <p:nvSpPr>
           <p:cNvPr id="3" name="TextBox 2">
@@ -9896,7 +9878,7 @@
         <p:spPr>
           <a:xfrm>
             <a:off x="2105890" y="5442227"/>
-            <a:ext cx="8728364" cy="1415772"/>
+            <a:ext cx="8728364" cy="1384995"/>
           </a:xfrm>
           <a:prstGeom prst="rect">
             <a:avLst/>
@@ -9927,11 +9909,11 @@
                 <a:latin typeface="Times New Roman" panose="02020603050405020304" pitchFamily="18" charset="0"/>
                 <a:cs typeface="Times New Roman" panose="02020603050405020304" pitchFamily="18" charset="0"/>
               </a:rPr>
-              <a:t>Measurement of the absorbance at 570 nM as a means of determining cell viability through an MTT assay. BCC cells were treated with increasing concentrations of inhibitor </a:t>
+              <a:t>Measurement of the absorbance at 570 nM as a means of determining cell viability through an MTT assay. BCC cells were treated with increasing concentrations of inhibitor drug Zinc05007751 for 6 days. Error bars represent the standard deviation of technical replicates. </a:t>
             </a:r>
             <a:r>
               <a:rPr lang="en-US" dirty="0"/>
-              <a:t>drug over the course of 6 days. </a:t>
+              <a:t>over the course of 6 days. </a:t>
             </a:r>
           </a:p>
           <a:p>
@@ -9939,6 +9921,35 @@
           </a:p>
         </p:txBody>
       </p:sp>
+      <p:pic>
+        <p:nvPicPr>
+          <p:cNvPr id="5" name="Picture 4">
+            <a:extLst>
+              <a:ext uri="{FF2B5EF4-FFF2-40B4-BE49-F238E27FC236}">
+                <a16:creationId xmlns:a16="http://schemas.microsoft.com/office/drawing/2014/main" id="{665C51B4-6CAC-3641-9E09-1CF530DFF4C4}"/>
+              </a:ext>
+            </a:extLst>
+          </p:cNvPr>
+          <p:cNvPicPr>
+            <a:picLocks noChangeAspect="1"/>
+          </p:cNvPicPr>
+          <p:nvPr/>
+        </p:nvPicPr>
+        <p:blipFill rotWithShape="1">
+          <a:blip r:embed="rId2"/>
+          <a:srcRect l="2116" t="24812" r="4233" b="3011"/>
+          <a:stretch/>
+        </p:blipFill>
+        <p:spPr>
+          <a:xfrm>
+            <a:off x="1357746" y="965590"/>
+            <a:ext cx="9662984" cy="4476637"/>
+          </a:xfrm>
+          <a:prstGeom prst="rect">
+            <a:avLst/>
+          </a:prstGeom>
+        </p:spPr>
+      </p:pic>
     </p:spTree>
     <p:extLst>
       <p:ext uri="{BB962C8B-B14F-4D97-AF65-F5344CB8AC3E}">
